--- a/Data/3_Yongsoo_brdg/용수교_데이터정리.pptx
+++ b/Data/3_Yongsoo_brdg/용수교_데이터정리.pptx
@@ -210,7 +210,7 @@
           <a:p>
             <a:fld id="{FC80F7AE-97F6-4C4B-8696-F1C123EAE742}" type="datetimeFigureOut">
               <a:rPr lang="ko-KR" altLang="en-US" smtClean="0"/>
-              <a:t>2023-03-26</a:t>
+              <a:t>2023-03-29</a:t>
             </a:fld>
             <a:endParaRPr lang="ko-KR" altLang="en-US"/>
           </a:p>
@@ -774,7 +774,7 @@
           <a:p>
             <a:fld id="{145A73E7-78AA-4552-92AD-84DA2AC8EB3C}" type="datetimeFigureOut">
               <a:rPr lang="ko-KR" altLang="en-US" smtClean="0"/>
-              <a:t>2023-03-26</a:t>
+              <a:t>2023-03-29</a:t>
             </a:fld>
             <a:endParaRPr lang="ko-KR" altLang="en-US"/>
           </a:p>
@@ -942,7 +942,7 @@
           <a:p>
             <a:fld id="{145A73E7-78AA-4552-92AD-84DA2AC8EB3C}" type="datetimeFigureOut">
               <a:rPr lang="ko-KR" altLang="en-US" smtClean="0"/>
-              <a:t>2023-03-26</a:t>
+              <a:t>2023-03-29</a:t>
             </a:fld>
             <a:endParaRPr lang="ko-KR" altLang="en-US"/>
           </a:p>
@@ -1120,7 +1120,7 @@
           <a:p>
             <a:fld id="{145A73E7-78AA-4552-92AD-84DA2AC8EB3C}" type="datetimeFigureOut">
               <a:rPr lang="ko-KR" altLang="en-US" smtClean="0"/>
-              <a:t>2023-03-26</a:t>
+              <a:t>2023-03-29</a:t>
             </a:fld>
             <a:endParaRPr lang="ko-KR" altLang="en-US"/>
           </a:p>
@@ -1288,7 +1288,7 @@
           <a:p>
             <a:fld id="{145A73E7-78AA-4552-92AD-84DA2AC8EB3C}" type="datetimeFigureOut">
               <a:rPr lang="ko-KR" altLang="en-US" smtClean="0"/>
-              <a:t>2023-03-26</a:t>
+              <a:t>2023-03-29</a:t>
             </a:fld>
             <a:endParaRPr lang="ko-KR" altLang="en-US"/>
           </a:p>
@@ -1533,7 +1533,7 @@
           <a:p>
             <a:fld id="{145A73E7-78AA-4552-92AD-84DA2AC8EB3C}" type="datetimeFigureOut">
               <a:rPr lang="ko-KR" altLang="en-US" smtClean="0"/>
-              <a:t>2023-03-26</a:t>
+              <a:t>2023-03-29</a:t>
             </a:fld>
             <a:endParaRPr lang="ko-KR" altLang="en-US"/>
           </a:p>
@@ -1762,7 +1762,7 @@
           <a:p>
             <a:fld id="{145A73E7-78AA-4552-92AD-84DA2AC8EB3C}" type="datetimeFigureOut">
               <a:rPr lang="ko-KR" altLang="en-US" smtClean="0"/>
-              <a:t>2023-03-26</a:t>
+              <a:t>2023-03-29</a:t>
             </a:fld>
             <a:endParaRPr lang="ko-KR" altLang="en-US"/>
           </a:p>
@@ -2126,7 +2126,7 @@
           <a:p>
             <a:fld id="{145A73E7-78AA-4552-92AD-84DA2AC8EB3C}" type="datetimeFigureOut">
               <a:rPr lang="ko-KR" altLang="en-US" smtClean="0"/>
-              <a:t>2023-03-26</a:t>
+              <a:t>2023-03-29</a:t>
             </a:fld>
             <a:endParaRPr lang="ko-KR" altLang="en-US"/>
           </a:p>
@@ -2243,7 +2243,7 @@
           <a:p>
             <a:fld id="{145A73E7-78AA-4552-92AD-84DA2AC8EB3C}" type="datetimeFigureOut">
               <a:rPr lang="ko-KR" altLang="en-US" smtClean="0"/>
-              <a:t>2023-03-26</a:t>
+              <a:t>2023-03-29</a:t>
             </a:fld>
             <a:endParaRPr lang="ko-KR" altLang="en-US"/>
           </a:p>
@@ -2338,7 +2338,7 @@
           <a:p>
             <a:fld id="{145A73E7-78AA-4552-92AD-84DA2AC8EB3C}" type="datetimeFigureOut">
               <a:rPr lang="ko-KR" altLang="en-US" smtClean="0"/>
-              <a:t>2023-03-26</a:t>
+              <a:t>2023-03-29</a:t>
             </a:fld>
             <a:endParaRPr lang="ko-KR" altLang="en-US"/>
           </a:p>
@@ -2613,7 +2613,7 @@
           <a:p>
             <a:fld id="{145A73E7-78AA-4552-92AD-84DA2AC8EB3C}" type="datetimeFigureOut">
               <a:rPr lang="ko-KR" altLang="en-US" smtClean="0"/>
-              <a:t>2023-03-26</a:t>
+              <a:t>2023-03-29</a:t>
             </a:fld>
             <a:endParaRPr lang="ko-KR" altLang="en-US"/>
           </a:p>
@@ -2865,7 +2865,7 @@
           <a:p>
             <a:fld id="{145A73E7-78AA-4552-92AD-84DA2AC8EB3C}" type="datetimeFigureOut">
               <a:rPr lang="ko-KR" altLang="en-US" smtClean="0"/>
-              <a:t>2023-03-26</a:t>
+              <a:t>2023-03-29</a:t>
             </a:fld>
             <a:endParaRPr lang="ko-KR" altLang="en-US"/>
           </a:p>
@@ -3076,7 +3076,7 @@
           <a:p>
             <a:fld id="{145A73E7-78AA-4552-92AD-84DA2AC8EB3C}" type="datetimeFigureOut">
               <a:rPr lang="ko-KR" altLang="en-US" smtClean="0"/>
-              <a:t>2023-03-26</a:t>
+              <a:t>2023-03-29</a:t>
             </a:fld>
             <a:endParaRPr lang="ko-KR" altLang="en-US"/>
           </a:p>
@@ -3558,7 +3558,7 @@
         </p:blipFill>
         <p:spPr>
           <a:xfrm>
-            <a:off x="2143760" y="55880"/>
+            <a:off x="2157663" y="55880"/>
             <a:ext cx="7047711" cy="3024000"/>
           </a:xfrm>
           <a:prstGeom prst="rect">
@@ -3582,7 +3582,7 @@
         </p:blipFill>
         <p:spPr>
           <a:xfrm>
-            <a:off x="3725000" y="3461247"/>
+            <a:off x="3738903" y="3461247"/>
             <a:ext cx="4332743" cy="2880000"/>
           </a:xfrm>
           <a:prstGeom prst="rect">
@@ -3606,7 +3606,7 @@
         </p:blipFill>
         <p:spPr>
           <a:xfrm>
-            <a:off x="8057743" y="3461247"/>
+            <a:off x="8071646" y="3461247"/>
             <a:ext cx="4120354" cy="2880000"/>
           </a:xfrm>
           <a:prstGeom prst="rect">
@@ -3619,7 +3619,7 @@
           <p:cNvPr id="3" name="그림 2">
             <a:extLst>
               <a:ext uri="{FF2B5EF4-FFF2-40B4-BE49-F238E27FC236}">
-                <a16:creationId xmlns:a16="http://schemas.microsoft.com/office/drawing/2014/main" id="{0D1FBB1F-1FDF-44B3-AF1B-998D87E6C4DC}"/>
+                <a16:creationId xmlns="" xmlns:a16="http://schemas.microsoft.com/office/drawing/2014/main" id="{0D1FBB1F-1FDF-44B3-AF1B-998D87E6C4DC}"/>
               </a:ext>
             </a:extLst>
           </p:cNvPr>
@@ -3690,7 +3690,7 @@
         </p:blipFill>
         <p:spPr>
           <a:xfrm>
-            <a:off x="1893011" y="0"/>
+            <a:off x="1879108" y="0"/>
             <a:ext cx="7047711" cy="3024000"/>
           </a:xfrm>
           <a:prstGeom prst="rect">
@@ -3714,7 +3714,7 @@
         </p:blipFill>
         <p:spPr>
           <a:xfrm>
-            <a:off x="3738903" y="3478744"/>
+            <a:off x="3725000" y="3478744"/>
             <a:ext cx="4332743" cy="2880000"/>
           </a:xfrm>
           <a:prstGeom prst="rect">
@@ -3751,7 +3751,7 @@
           <p:cNvPr id="2" name="그림 1">
             <a:extLst>
               <a:ext uri="{FF2B5EF4-FFF2-40B4-BE49-F238E27FC236}">
-                <a16:creationId xmlns:a16="http://schemas.microsoft.com/office/drawing/2014/main" id="{02312BC4-1B35-4D51-81B7-89A098AC9AE3}"/>
+                <a16:creationId xmlns="" xmlns:a16="http://schemas.microsoft.com/office/drawing/2014/main" id="{02312BC4-1B35-4D51-81B7-89A098AC9AE3}"/>
               </a:ext>
             </a:extLst>
           </p:cNvPr>
@@ -3811,7 +3811,7 @@
           <p:cNvPr id="5" name="그림 4">
             <a:extLst>
               <a:ext uri="{FF2B5EF4-FFF2-40B4-BE49-F238E27FC236}">
-                <a16:creationId xmlns:a16="http://schemas.microsoft.com/office/drawing/2014/main" id="{0E31EEF6-57EB-4528-B503-A811404687D7}"/>
+                <a16:creationId xmlns="" xmlns:a16="http://schemas.microsoft.com/office/drawing/2014/main" id="{0E31EEF6-57EB-4528-B503-A811404687D7}"/>
               </a:ext>
             </a:extLst>
           </p:cNvPr>
@@ -3871,7 +3871,7 @@
           <p:cNvPr id="14" name="그림 13">
             <a:extLst>
               <a:ext uri="{FF2B5EF4-FFF2-40B4-BE49-F238E27FC236}">
-                <a16:creationId xmlns:a16="http://schemas.microsoft.com/office/drawing/2014/main" id="{0E7B9CE4-33A5-487D-BCE5-4293903C07D0}"/>
+                <a16:creationId xmlns="" xmlns:a16="http://schemas.microsoft.com/office/drawing/2014/main" id="{0E7B9CE4-33A5-487D-BCE5-4293903C07D0}"/>
               </a:ext>
             </a:extLst>
           </p:cNvPr>
@@ -3901,7 +3901,7 @@
           <p:cNvPr id="16" name="그림 15">
             <a:extLst>
               <a:ext uri="{FF2B5EF4-FFF2-40B4-BE49-F238E27FC236}">
-                <a16:creationId xmlns:a16="http://schemas.microsoft.com/office/drawing/2014/main" id="{45E36DF3-5F3E-4926-B316-6616739B8975}"/>
+                <a16:creationId xmlns="" xmlns:a16="http://schemas.microsoft.com/office/drawing/2014/main" id="{45E36DF3-5F3E-4926-B316-6616739B8975}"/>
               </a:ext>
             </a:extLst>
           </p:cNvPr>
@@ -3931,7 +3931,7 @@
           <p:cNvPr id="17" name="그림 16">
             <a:extLst>
               <a:ext uri="{FF2B5EF4-FFF2-40B4-BE49-F238E27FC236}">
-                <a16:creationId xmlns:a16="http://schemas.microsoft.com/office/drawing/2014/main" id="{F3171C67-896E-445F-844A-0543586F94D2}"/>
+                <a16:creationId xmlns="" xmlns:a16="http://schemas.microsoft.com/office/drawing/2014/main" id="{F3171C67-896E-445F-844A-0543586F94D2}"/>
               </a:ext>
             </a:extLst>
           </p:cNvPr>
@@ -3961,7 +3961,7 @@
           <p:cNvPr id="18" name="그림 17">
             <a:extLst>
               <a:ext uri="{FF2B5EF4-FFF2-40B4-BE49-F238E27FC236}">
-                <a16:creationId xmlns:a16="http://schemas.microsoft.com/office/drawing/2014/main" id="{0927EC35-C3C9-48C0-8B34-A4D3BB01B196}"/>
+                <a16:creationId xmlns="" xmlns:a16="http://schemas.microsoft.com/office/drawing/2014/main" id="{0927EC35-C3C9-48C0-8B34-A4D3BB01B196}"/>
               </a:ext>
             </a:extLst>
           </p:cNvPr>
@@ -4021,7 +4021,7 @@
           <p:cNvPr id="4" name="그림 3">
             <a:extLst>
               <a:ext uri="{FF2B5EF4-FFF2-40B4-BE49-F238E27FC236}">
-                <a16:creationId xmlns:a16="http://schemas.microsoft.com/office/drawing/2014/main" id="{224A0628-1F4D-4207-A078-BAE2953F90D9}"/>
+                <a16:creationId xmlns="" xmlns:a16="http://schemas.microsoft.com/office/drawing/2014/main" id="{224A0628-1F4D-4207-A078-BAE2953F90D9}"/>
               </a:ext>
             </a:extLst>
           </p:cNvPr>
@@ -4051,7 +4051,7 @@
           <p:cNvPr id="5" name="그림 4">
             <a:extLst>
               <a:ext uri="{FF2B5EF4-FFF2-40B4-BE49-F238E27FC236}">
-                <a16:creationId xmlns:a16="http://schemas.microsoft.com/office/drawing/2014/main" id="{5A86799C-8B61-4B17-8ECE-F6AFF428B242}"/>
+                <a16:creationId xmlns="" xmlns:a16="http://schemas.microsoft.com/office/drawing/2014/main" id="{5A86799C-8B61-4B17-8ECE-F6AFF428B242}"/>
               </a:ext>
             </a:extLst>
           </p:cNvPr>
@@ -4081,7 +4081,7 @@
           <p:cNvPr id="6" name="그림 5">
             <a:extLst>
               <a:ext uri="{FF2B5EF4-FFF2-40B4-BE49-F238E27FC236}">
-                <a16:creationId xmlns:a16="http://schemas.microsoft.com/office/drawing/2014/main" id="{848CD6B9-FBE3-46C2-9927-1858855A8306}"/>
+                <a16:creationId xmlns="" xmlns:a16="http://schemas.microsoft.com/office/drawing/2014/main" id="{848CD6B9-FBE3-46C2-9927-1858855A8306}"/>
               </a:ext>
             </a:extLst>
           </p:cNvPr>
@@ -4111,7 +4111,7 @@
           <p:cNvPr id="7" name="그림 6">
             <a:extLst>
               <a:ext uri="{FF2B5EF4-FFF2-40B4-BE49-F238E27FC236}">
-                <a16:creationId xmlns:a16="http://schemas.microsoft.com/office/drawing/2014/main" id="{7719D08E-00FB-4BBE-B152-EFE3411E8804}"/>
+                <a16:creationId xmlns="" xmlns:a16="http://schemas.microsoft.com/office/drawing/2014/main" id="{7719D08E-00FB-4BBE-B152-EFE3411E8804}"/>
               </a:ext>
             </a:extLst>
           </p:cNvPr>
@@ -4171,7 +4171,7 @@
           <p:cNvPr id="2" name="그림 1">
             <a:extLst>
               <a:ext uri="{FF2B5EF4-FFF2-40B4-BE49-F238E27FC236}">
-                <a16:creationId xmlns:a16="http://schemas.microsoft.com/office/drawing/2014/main" id="{C5738448-F74A-1886-BD2C-6FBF2316D534}"/>
+                <a16:creationId xmlns="" xmlns:a16="http://schemas.microsoft.com/office/drawing/2014/main" id="{C5738448-F74A-1886-BD2C-6FBF2316D534}"/>
               </a:ext>
             </a:extLst>
           </p:cNvPr>
@@ -4201,7 +4201,7 @@
           <p:cNvPr id="3" name="그림 2">
             <a:extLst>
               <a:ext uri="{FF2B5EF4-FFF2-40B4-BE49-F238E27FC236}">
-                <a16:creationId xmlns:a16="http://schemas.microsoft.com/office/drawing/2014/main" id="{81BE25D7-F467-F852-8539-E4466F03BDE4}"/>
+                <a16:creationId xmlns="" xmlns:a16="http://schemas.microsoft.com/office/drawing/2014/main" id="{81BE25D7-F467-F852-8539-E4466F03BDE4}"/>
               </a:ext>
             </a:extLst>
           </p:cNvPr>
@@ -4307,7 +4307,7 @@
           <p:cNvPr id="26" name="직사각형 25">
             <a:extLst>
               <a:ext uri="{FF2B5EF4-FFF2-40B4-BE49-F238E27FC236}">
-                <a16:creationId xmlns:a16="http://schemas.microsoft.com/office/drawing/2014/main" id="{089C2B81-B50C-65D4-DFDC-D07B012783CA}"/>
+                <a16:creationId xmlns="" xmlns:a16="http://schemas.microsoft.com/office/drawing/2014/main" id="{089C2B81-B50C-65D4-DFDC-D07B012783CA}"/>
               </a:ext>
             </a:extLst>
           </p:cNvPr>
@@ -4377,7 +4377,7 @@
           <p:cNvPr id="27" name="직사각형 26">
             <a:extLst>
               <a:ext uri="{FF2B5EF4-FFF2-40B4-BE49-F238E27FC236}">
-                <a16:creationId xmlns:a16="http://schemas.microsoft.com/office/drawing/2014/main" id="{0377628F-BD26-A765-61D0-E35C7486744A}"/>
+                <a16:creationId xmlns="" xmlns:a16="http://schemas.microsoft.com/office/drawing/2014/main" id="{0377628F-BD26-A765-61D0-E35C7486744A}"/>
               </a:ext>
             </a:extLst>
           </p:cNvPr>
@@ -4447,7 +4447,7 @@
           <p:cNvPr id="28" name="직사각형 27">
             <a:extLst>
               <a:ext uri="{FF2B5EF4-FFF2-40B4-BE49-F238E27FC236}">
-                <a16:creationId xmlns:a16="http://schemas.microsoft.com/office/drawing/2014/main" id="{90D88037-858D-563C-E346-D6B4C138426D}"/>
+                <a16:creationId xmlns="" xmlns:a16="http://schemas.microsoft.com/office/drawing/2014/main" id="{90D88037-858D-563C-E346-D6B4C138426D}"/>
               </a:ext>
             </a:extLst>
           </p:cNvPr>
@@ -4517,7 +4517,7 @@
           <p:cNvPr id="29" name="직사각형 28">
             <a:extLst>
               <a:ext uri="{FF2B5EF4-FFF2-40B4-BE49-F238E27FC236}">
-                <a16:creationId xmlns:a16="http://schemas.microsoft.com/office/drawing/2014/main" id="{6370A570-F277-6461-14E3-C6753BDB7501}"/>
+                <a16:creationId xmlns="" xmlns:a16="http://schemas.microsoft.com/office/drawing/2014/main" id="{6370A570-F277-6461-14E3-C6753BDB7501}"/>
               </a:ext>
             </a:extLst>
           </p:cNvPr>
@@ -4587,7 +4587,7 @@
           <p:cNvPr id="30" name="직사각형 29">
             <a:extLst>
               <a:ext uri="{FF2B5EF4-FFF2-40B4-BE49-F238E27FC236}">
-                <a16:creationId xmlns:a16="http://schemas.microsoft.com/office/drawing/2014/main" id="{8584275A-9E2E-71AE-82B1-2F141AA26DF4}"/>
+                <a16:creationId xmlns="" xmlns:a16="http://schemas.microsoft.com/office/drawing/2014/main" id="{8584275A-9E2E-71AE-82B1-2F141AA26DF4}"/>
               </a:ext>
             </a:extLst>
           </p:cNvPr>
@@ -4657,7 +4657,7 @@
           <p:cNvPr id="31" name="직사각형 30">
             <a:extLst>
               <a:ext uri="{FF2B5EF4-FFF2-40B4-BE49-F238E27FC236}">
-                <a16:creationId xmlns:a16="http://schemas.microsoft.com/office/drawing/2014/main" id="{3E457FE4-D184-3AE9-FD79-90BEA0B87E91}"/>
+                <a16:creationId xmlns="" xmlns:a16="http://schemas.microsoft.com/office/drawing/2014/main" id="{3E457FE4-D184-3AE9-FD79-90BEA0B87E91}"/>
               </a:ext>
             </a:extLst>
           </p:cNvPr>
@@ -4727,7 +4727,7 @@
           <p:cNvPr id="32" name="직사각형 31">
             <a:extLst>
               <a:ext uri="{FF2B5EF4-FFF2-40B4-BE49-F238E27FC236}">
-                <a16:creationId xmlns:a16="http://schemas.microsoft.com/office/drawing/2014/main" id="{D4510BC2-2029-7E2C-B42D-A30C5F845F47}"/>
+                <a16:creationId xmlns="" xmlns:a16="http://schemas.microsoft.com/office/drawing/2014/main" id="{D4510BC2-2029-7E2C-B42D-A30C5F845F47}"/>
               </a:ext>
             </a:extLst>
           </p:cNvPr>
@@ -4798,7 +4798,7 @@
           <p:cNvPr id="33" name="직사각형 32">
             <a:extLst>
               <a:ext uri="{FF2B5EF4-FFF2-40B4-BE49-F238E27FC236}">
-                <a16:creationId xmlns:a16="http://schemas.microsoft.com/office/drawing/2014/main" id="{C42F3999-3FC6-F61A-2776-E3CAD3063D7D}"/>
+                <a16:creationId xmlns="" xmlns:a16="http://schemas.microsoft.com/office/drawing/2014/main" id="{C42F3999-3FC6-F61A-2776-E3CAD3063D7D}"/>
               </a:ext>
             </a:extLst>
           </p:cNvPr>
@@ -4869,7 +4869,7 @@
           <p:cNvPr id="34" name="직선 연결선 33">
             <a:extLst>
               <a:ext uri="{FF2B5EF4-FFF2-40B4-BE49-F238E27FC236}">
-                <a16:creationId xmlns:a16="http://schemas.microsoft.com/office/drawing/2014/main" id="{3025496C-B7BD-BA1E-FAD6-B396DBF9B92E}"/>
+                <a16:creationId xmlns="" xmlns:a16="http://schemas.microsoft.com/office/drawing/2014/main" id="{3025496C-B7BD-BA1E-FAD6-B396DBF9B92E}"/>
               </a:ext>
             </a:extLst>
           </p:cNvPr>
@@ -4902,7 +4902,7 @@
           <p:cNvPr id="35" name="직선 연결선 34">
             <a:extLst>
               <a:ext uri="{FF2B5EF4-FFF2-40B4-BE49-F238E27FC236}">
-                <a16:creationId xmlns:a16="http://schemas.microsoft.com/office/drawing/2014/main" id="{013D4777-B7FF-95FC-8997-57C9712D9316}"/>
+                <a16:creationId xmlns="" xmlns:a16="http://schemas.microsoft.com/office/drawing/2014/main" id="{013D4777-B7FF-95FC-8997-57C9712D9316}"/>
               </a:ext>
             </a:extLst>
           </p:cNvPr>
@@ -4936,7 +4936,7 @@
           <p:cNvPr id="36" name="직선 연결선 35">
             <a:extLst>
               <a:ext uri="{FF2B5EF4-FFF2-40B4-BE49-F238E27FC236}">
-                <a16:creationId xmlns:a16="http://schemas.microsoft.com/office/drawing/2014/main" id="{991A07BA-4E78-74DD-D938-D9CFE426C12A}"/>
+                <a16:creationId xmlns="" xmlns:a16="http://schemas.microsoft.com/office/drawing/2014/main" id="{991A07BA-4E78-74DD-D938-D9CFE426C12A}"/>
               </a:ext>
             </a:extLst>
           </p:cNvPr>
@@ -4969,7 +4969,7 @@
           <p:cNvPr id="37" name="직선 연결선 36">
             <a:extLst>
               <a:ext uri="{FF2B5EF4-FFF2-40B4-BE49-F238E27FC236}">
-                <a16:creationId xmlns:a16="http://schemas.microsoft.com/office/drawing/2014/main" id="{6190F153-3E33-276A-3B28-F4918ABADB2E}"/>
+                <a16:creationId xmlns="" xmlns:a16="http://schemas.microsoft.com/office/drawing/2014/main" id="{6190F153-3E33-276A-3B28-F4918ABADB2E}"/>
               </a:ext>
             </a:extLst>
           </p:cNvPr>
@@ -5002,7 +5002,7 @@
           <p:cNvPr id="38" name="직선 화살표 연결선 37">
             <a:extLst>
               <a:ext uri="{FF2B5EF4-FFF2-40B4-BE49-F238E27FC236}">
-                <a16:creationId xmlns:a16="http://schemas.microsoft.com/office/drawing/2014/main" id="{9A9E5B7F-ECF2-08DB-62CB-DE35D7FD687B}"/>
+                <a16:creationId xmlns="" xmlns:a16="http://schemas.microsoft.com/office/drawing/2014/main" id="{9A9E5B7F-ECF2-08DB-62CB-DE35D7FD687B}"/>
               </a:ext>
             </a:extLst>
           </p:cNvPr>
@@ -5036,7 +5036,7 @@
           <p:cNvPr id="39" name="TextBox 38">
             <a:extLst>
               <a:ext uri="{FF2B5EF4-FFF2-40B4-BE49-F238E27FC236}">
-                <a16:creationId xmlns:a16="http://schemas.microsoft.com/office/drawing/2014/main" id="{36EDD4E5-4397-12BC-BBD0-5D081D56FD47}"/>
+                <a16:creationId xmlns="" xmlns:a16="http://schemas.microsoft.com/office/drawing/2014/main" id="{36EDD4E5-4397-12BC-BBD0-5D081D56FD47}"/>
               </a:ext>
             </a:extLst>
           </p:cNvPr>
@@ -5098,7 +5098,7 @@
           <p:cNvPr id="40" name="직선 화살표 연결선 39">
             <a:extLst>
               <a:ext uri="{FF2B5EF4-FFF2-40B4-BE49-F238E27FC236}">
-                <a16:creationId xmlns:a16="http://schemas.microsoft.com/office/drawing/2014/main" id="{AF7B03BA-D155-B29A-9DF6-23E69053D8D9}"/>
+                <a16:creationId xmlns="" xmlns:a16="http://schemas.microsoft.com/office/drawing/2014/main" id="{AF7B03BA-D155-B29A-9DF6-23E69053D8D9}"/>
               </a:ext>
             </a:extLst>
           </p:cNvPr>
@@ -5132,7 +5132,7 @@
           <p:cNvPr id="41" name="직선 화살표 연결선 40">
             <a:extLst>
               <a:ext uri="{FF2B5EF4-FFF2-40B4-BE49-F238E27FC236}">
-                <a16:creationId xmlns:a16="http://schemas.microsoft.com/office/drawing/2014/main" id="{7EBC8663-4C70-CB9C-74C4-988411F2032A}"/>
+                <a16:creationId xmlns="" xmlns:a16="http://schemas.microsoft.com/office/drawing/2014/main" id="{7EBC8663-4C70-CB9C-74C4-988411F2032A}"/>
               </a:ext>
             </a:extLst>
           </p:cNvPr>
@@ -5166,7 +5166,7 @@
           <p:cNvPr id="42" name="TextBox 41">
             <a:extLst>
               <a:ext uri="{FF2B5EF4-FFF2-40B4-BE49-F238E27FC236}">
-                <a16:creationId xmlns:a16="http://schemas.microsoft.com/office/drawing/2014/main" id="{7C4027AC-A50A-90DA-2EC6-00E66D7B5D0A}"/>
+                <a16:creationId xmlns="" xmlns:a16="http://schemas.microsoft.com/office/drawing/2014/main" id="{7C4027AC-A50A-90DA-2EC6-00E66D7B5D0A}"/>
               </a:ext>
             </a:extLst>
           </p:cNvPr>
@@ -5239,7 +5239,7 @@
           <p:cNvPr id="43" name="TextBox 42">
             <a:extLst>
               <a:ext uri="{FF2B5EF4-FFF2-40B4-BE49-F238E27FC236}">
-                <a16:creationId xmlns:a16="http://schemas.microsoft.com/office/drawing/2014/main" id="{71DE769A-F600-F386-FD1C-442F1CE30FEF}"/>
+                <a16:creationId xmlns="" xmlns:a16="http://schemas.microsoft.com/office/drawing/2014/main" id="{71DE769A-F600-F386-FD1C-442F1CE30FEF}"/>
               </a:ext>
             </a:extLst>
           </p:cNvPr>
@@ -5312,7 +5312,7 @@
           <p:cNvPr id="44" name="그림 43">
             <a:extLst>
               <a:ext uri="{FF2B5EF4-FFF2-40B4-BE49-F238E27FC236}">
-                <a16:creationId xmlns:a16="http://schemas.microsoft.com/office/drawing/2014/main" id="{9F3168DE-40A5-08EE-72E1-44A788C326A3}"/>
+                <a16:creationId xmlns="" xmlns:a16="http://schemas.microsoft.com/office/drawing/2014/main" id="{9F3168DE-40A5-08EE-72E1-44A788C326A3}"/>
               </a:ext>
             </a:extLst>
           </p:cNvPr>
@@ -5341,7 +5341,7 @@
           <p:cNvPr id="45" name="직사각형 44">
             <a:extLst>
               <a:ext uri="{FF2B5EF4-FFF2-40B4-BE49-F238E27FC236}">
-                <a16:creationId xmlns:a16="http://schemas.microsoft.com/office/drawing/2014/main" id="{6C55BAB4-9552-C522-057C-06940ABA20C1}"/>
+                <a16:creationId xmlns="" xmlns:a16="http://schemas.microsoft.com/office/drawing/2014/main" id="{6C55BAB4-9552-C522-057C-06940ABA20C1}"/>
               </a:ext>
             </a:extLst>
           </p:cNvPr>
@@ -5413,7 +5413,7 @@
           <p:cNvPr id="46" name="직사각형 45">
             <a:extLst>
               <a:ext uri="{FF2B5EF4-FFF2-40B4-BE49-F238E27FC236}">
-                <a16:creationId xmlns:a16="http://schemas.microsoft.com/office/drawing/2014/main" id="{C2EDFE62-2F47-D0EB-4A1C-A85A3AF04AB3}"/>
+                <a16:creationId xmlns="" xmlns:a16="http://schemas.microsoft.com/office/drawing/2014/main" id="{C2EDFE62-2F47-D0EB-4A1C-A85A3AF04AB3}"/>
               </a:ext>
             </a:extLst>
           </p:cNvPr>
@@ -5485,7 +5485,7 @@
           <p:cNvPr id="47" name="직선 화살표 연결선 46">
             <a:extLst>
               <a:ext uri="{FF2B5EF4-FFF2-40B4-BE49-F238E27FC236}">
-                <a16:creationId xmlns:a16="http://schemas.microsoft.com/office/drawing/2014/main" id="{D8185161-94F7-5FE9-1C8B-F6CED5241796}"/>
+                <a16:creationId xmlns="" xmlns:a16="http://schemas.microsoft.com/office/drawing/2014/main" id="{D8185161-94F7-5FE9-1C8B-F6CED5241796}"/>
               </a:ext>
             </a:extLst>
           </p:cNvPr>
@@ -5520,7 +5520,7 @@
           <p:cNvPr id="48" name="TextBox 47">
             <a:extLst>
               <a:ext uri="{FF2B5EF4-FFF2-40B4-BE49-F238E27FC236}">
-                <a16:creationId xmlns:a16="http://schemas.microsoft.com/office/drawing/2014/main" id="{62EEDB23-D54A-9731-E3EA-671C154E9CC4}"/>
+                <a16:creationId xmlns="" xmlns:a16="http://schemas.microsoft.com/office/drawing/2014/main" id="{62EEDB23-D54A-9731-E3EA-671C154E9CC4}"/>
               </a:ext>
             </a:extLst>
           </p:cNvPr>
@@ -5621,7 +5621,7 @@
           <p:cNvPr id="49" name="직선 화살표 연결선 48">
             <a:extLst>
               <a:ext uri="{FF2B5EF4-FFF2-40B4-BE49-F238E27FC236}">
-                <a16:creationId xmlns:a16="http://schemas.microsoft.com/office/drawing/2014/main" id="{1AB9E4D4-0A54-F49C-A3D0-03BE60D2EF1C}"/>
+                <a16:creationId xmlns="" xmlns:a16="http://schemas.microsoft.com/office/drawing/2014/main" id="{1AB9E4D4-0A54-F49C-A3D0-03BE60D2EF1C}"/>
               </a:ext>
             </a:extLst>
           </p:cNvPr>
@@ -5658,7 +5658,7 @@
           <p:cNvPr id="50" name="직사각형 49">
             <a:extLst>
               <a:ext uri="{FF2B5EF4-FFF2-40B4-BE49-F238E27FC236}">
-                <a16:creationId xmlns:a16="http://schemas.microsoft.com/office/drawing/2014/main" id="{549FCB17-24B8-0B93-07AB-28D19A85B6BB}"/>
+                <a16:creationId xmlns="" xmlns:a16="http://schemas.microsoft.com/office/drawing/2014/main" id="{549FCB17-24B8-0B93-07AB-28D19A85B6BB}"/>
               </a:ext>
             </a:extLst>
           </p:cNvPr>
@@ -5728,7 +5728,7 @@
           <p:cNvPr id="51" name="직사각형 50">
             <a:extLst>
               <a:ext uri="{FF2B5EF4-FFF2-40B4-BE49-F238E27FC236}">
-                <a16:creationId xmlns:a16="http://schemas.microsoft.com/office/drawing/2014/main" id="{D4F715EF-3053-1926-72DE-1EA878EC4AC0}"/>
+                <a16:creationId xmlns="" xmlns:a16="http://schemas.microsoft.com/office/drawing/2014/main" id="{D4F715EF-3053-1926-72DE-1EA878EC4AC0}"/>
               </a:ext>
             </a:extLst>
           </p:cNvPr>
@@ -5798,7 +5798,7 @@
           <p:cNvPr id="52" name="TextBox 51">
             <a:extLst>
               <a:ext uri="{FF2B5EF4-FFF2-40B4-BE49-F238E27FC236}">
-                <a16:creationId xmlns:a16="http://schemas.microsoft.com/office/drawing/2014/main" id="{25D4C8E7-4DC3-7A1B-E6A2-FA9EF63D248D}"/>
+                <a16:creationId xmlns="" xmlns:a16="http://schemas.microsoft.com/office/drawing/2014/main" id="{25D4C8E7-4DC3-7A1B-E6A2-FA9EF63D248D}"/>
               </a:ext>
             </a:extLst>
           </p:cNvPr>
@@ -5877,7 +5877,7 @@
           <p:cNvPr id="53" name="직사각형 52">
             <a:extLst>
               <a:ext uri="{FF2B5EF4-FFF2-40B4-BE49-F238E27FC236}">
-                <a16:creationId xmlns:a16="http://schemas.microsoft.com/office/drawing/2014/main" id="{C845FF77-4B60-7EFE-FADF-779616FC9510}"/>
+                <a16:creationId xmlns="" xmlns:a16="http://schemas.microsoft.com/office/drawing/2014/main" id="{C845FF77-4B60-7EFE-FADF-779616FC9510}"/>
               </a:ext>
             </a:extLst>
           </p:cNvPr>
@@ -5952,7 +5952,7 @@
           <p:cNvPr id="54" name="직사각형 53">
             <a:extLst>
               <a:ext uri="{FF2B5EF4-FFF2-40B4-BE49-F238E27FC236}">
-                <a16:creationId xmlns:a16="http://schemas.microsoft.com/office/drawing/2014/main" id="{1A432BD1-8811-CF70-112B-B3EFEEF6CEA1}"/>
+                <a16:creationId xmlns="" xmlns:a16="http://schemas.microsoft.com/office/drawing/2014/main" id="{1A432BD1-8811-CF70-112B-B3EFEEF6CEA1}"/>
               </a:ext>
             </a:extLst>
           </p:cNvPr>
@@ -6027,7 +6027,7 @@
           <p:cNvPr id="55" name="직선 연결선 54">
             <a:extLst>
               <a:ext uri="{FF2B5EF4-FFF2-40B4-BE49-F238E27FC236}">
-                <a16:creationId xmlns:a16="http://schemas.microsoft.com/office/drawing/2014/main" id="{578427D4-5CED-80AF-B55F-29DFFA119D20}"/>
+                <a16:creationId xmlns="" xmlns:a16="http://schemas.microsoft.com/office/drawing/2014/main" id="{578427D4-5CED-80AF-B55F-29DFFA119D20}"/>
               </a:ext>
             </a:extLst>
           </p:cNvPr>
@@ -6060,7 +6060,7 @@
           <p:cNvPr id="56" name="직선 연결선 55">
             <a:extLst>
               <a:ext uri="{FF2B5EF4-FFF2-40B4-BE49-F238E27FC236}">
-                <a16:creationId xmlns:a16="http://schemas.microsoft.com/office/drawing/2014/main" id="{CF40D44F-F839-4B98-2D7A-9CA88B1EC956}"/>
+                <a16:creationId xmlns="" xmlns:a16="http://schemas.microsoft.com/office/drawing/2014/main" id="{CF40D44F-F839-4B98-2D7A-9CA88B1EC956}"/>
               </a:ext>
             </a:extLst>
           </p:cNvPr>
@@ -6093,7 +6093,7 @@
           <p:cNvPr id="57" name="직선 연결선 56">
             <a:extLst>
               <a:ext uri="{FF2B5EF4-FFF2-40B4-BE49-F238E27FC236}">
-                <a16:creationId xmlns:a16="http://schemas.microsoft.com/office/drawing/2014/main" id="{87F815A7-A737-E2CD-08ED-34F4E6B0F566}"/>
+                <a16:creationId xmlns="" xmlns:a16="http://schemas.microsoft.com/office/drawing/2014/main" id="{87F815A7-A737-E2CD-08ED-34F4E6B0F566}"/>
               </a:ext>
             </a:extLst>
           </p:cNvPr>
@@ -6126,7 +6126,7 @@
           <p:cNvPr id="58" name="직선 연결선 57">
             <a:extLst>
               <a:ext uri="{FF2B5EF4-FFF2-40B4-BE49-F238E27FC236}">
-                <a16:creationId xmlns:a16="http://schemas.microsoft.com/office/drawing/2014/main" id="{F2846B68-0724-AA1E-E5F7-966F511FED01}"/>
+                <a16:creationId xmlns="" xmlns:a16="http://schemas.microsoft.com/office/drawing/2014/main" id="{F2846B68-0724-AA1E-E5F7-966F511FED01}"/>
               </a:ext>
             </a:extLst>
           </p:cNvPr>
@@ -6159,7 +6159,7 @@
           <p:cNvPr id="59" name="직선 연결선 58">
             <a:extLst>
               <a:ext uri="{FF2B5EF4-FFF2-40B4-BE49-F238E27FC236}">
-                <a16:creationId xmlns:a16="http://schemas.microsoft.com/office/drawing/2014/main" id="{EE237390-DA2F-7212-BBBA-E83EFD4C122C}"/>
+                <a16:creationId xmlns="" xmlns:a16="http://schemas.microsoft.com/office/drawing/2014/main" id="{EE237390-DA2F-7212-BBBA-E83EFD4C122C}"/>
               </a:ext>
             </a:extLst>
           </p:cNvPr>
@@ -6192,7 +6192,7 @@
           <p:cNvPr id="60" name="직선 연결선 59">
             <a:extLst>
               <a:ext uri="{FF2B5EF4-FFF2-40B4-BE49-F238E27FC236}">
-                <a16:creationId xmlns:a16="http://schemas.microsoft.com/office/drawing/2014/main" id="{5F7AF469-D5AE-260C-B8D9-1CCCAA2FC243}"/>
+                <a16:creationId xmlns="" xmlns:a16="http://schemas.microsoft.com/office/drawing/2014/main" id="{5F7AF469-D5AE-260C-B8D9-1CCCAA2FC243}"/>
               </a:ext>
             </a:extLst>
           </p:cNvPr>
@@ -6225,7 +6225,7 @@
           <p:cNvPr id="61" name="직선 연결선 60">
             <a:extLst>
               <a:ext uri="{FF2B5EF4-FFF2-40B4-BE49-F238E27FC236}">
-                <a16:creationId xmlns:a16="http://schemas.microsoft.com/office/drawing/2014/main" id="{ADB58281-D9EF-64B9-A8BF-6677CF7DD2E9}"/>
+                <a16:creationId xmlns="" xmlns:a16="http://schemas.microsoft.com/office/drawing/2014/main" id="{ADB58281-D9EF-64B9-A8BF-6677CF7DD2E9}"/>
               </a:ext>
             </a:extLst>
           </p:cNvPr>
@@ -6258,7 +6258,7 @@
           <p:cNvPr id="62" name="직선 연결선 61">
             <a:extLst>
               <a:ext uri="{FF2B5EF4-FFF2-40B4-BE49-F238E27FC236}">
-                <a16:creationId xmlns:a16="http://schemas.microsoft.com/office/drawing/2014/main" id="{B97F9EF7-ACED-71A1-899B-D612F40F9536}"/>
+                <a16:creationId xmlns="" xmlns:a16="http://schemas.microsoft.com/office/drawing/2014/main" id="{B97F9EF7-ACED-71A1-899B-D612F40F9536}"/>
               </a:ext>
             </a:extLst>
           </p:cNvPr>
@@ -6291,7 +6291,7 @@
           <p:cNvPr id="63" name="직선 연결선 62">
             <a:extLst>
               <a:ext uri="{FF2B5EF4-FFF2-40B4-BE49-F238E27FC236}">
-                <a16:creationId xmlns:a16="http://schemas.microsoft.com/office/drawing/2014/main" id="{95687204-0EE6-2EA8-0A5F-081F1B9A9F52}"/>
+                <a16:creationId xmlns="" xmlns:a16="http://schemas.microsoft.com/office/drawing/2014/main" id="{95687204-0EE6-2EA8-0A5F-081F1B9A9F52}"/>
               </a:ext>
             </a:extLst>
           </p:cNvPr>
@@ -6324,7 +6324,7 @@
           <p:cNvPr id="64" name="직선 연결선 63">
             <a:extLst>
               <a:ext uri="{FF2B5EF4-FFF2-40B4-BE49-F238E27FC236}">
-                <a16:creationId xmlns:a16="http://schemas.microsoft.com/office/drawing/2014/main" id="{3B802CB0-38DF-5CDB-E6DB-F5F27C9C4781}"/>
+                <a16:creationId xmlns="" xmlns:a16="http://schemas.microsoft.com/office/drawing/2014/main" id="{3B802CB0-38DF-5CDB-E6DB-F5F27C9C4781}"/>
               </a:ext>
             </a:extLst>
           </p:cNvPr>
@@ -6357,7 +6357,7 @@
           <p:cNvPr id="67" name="TextBox 66">
             <a:extLst>
               <a:ext uri="{FF2B5EF4-FFF2-40B4-BE49-F238E27FC236}">
-                <a16:creationId xmlns:a16="http://schemas.microsoft.com/office/drawing/2014/main" id="{CB06E678-C712-CE77-ECED-18D19EFDDE66}"/>
+                <a16:creationId xmlns="" xmlns:a16="http://schemas.microsoft.com/office/drawing/2014/main" id="{CB06E678-C712-CE77-ECED-18D19EFDDE66}"/>
               </a:ext>
             </a:extLst>
           </p:cNvPr>
@@ -6419,7 +6419,7 @@
           <p:cNvPr id="68" name="TextBox 67">
             <a:extLst>
               <a:ext uri="{FF2B5EF4-FFF2-40B4-BE49-F238E27FC236}">
-                <a16:creationId xmlns:a16="http://schemas.microsoft.com/office/drawing/2014/main" id="{B857431C-C1A6-97AC-8798-679D46EBB5BF}"/>
+                <a16:creationId xmlns="" xmlns:a16="http://schemas.microsoft.com/office/drawing/2014/main" id="{B857431C-C1A6-97AC-8798-679D46EBB5BF}"/>
               </a:ext>
             </a:extLst>
           </p:cNvPr>
@@ -6481,7 +6481,7 @@
           <p:cNvPr id="71" name="직선 화살표 연결선 70">
             <a:extLst>
               <a:ext uri="{FF2B5EF4-FFF2-40B4-BE49-F238E27FC236}">
-                <a16:creationId xmlns:a16="http://schemas.microsoft.com/office/drawing/2014/main" id="{5E57A052-6870-1D3E-EFA9-7812D074F693}"/>
+                <a16:creationId xmlns="" xmlns:a16="http://schemas.microsoft.com/office/drawing/2014/main" id="{5E57A052-6870-1D3E-EFA9-7812D074F693}"/>
               </a:ext>
             </a:extLst>
           </p:cNvPr>
@@ -6513,7 +6513,7 @@
           <p:cNvPr id="72" name="직선 화살표 연결선 71">
             <a:extLst>
               <a:ext uri="{FF2B5EF4-FFF2-40B4-BE49-F238E27FC236}">
-                <a16:creationId xmlns:a16="http://schemas.microsoft.com/office/drawing/2014/main" id="{021BD1EC-3567-AE7B-4103-F62F6BEBBC85}"/>
+                <a16:creationId xmlns="" xmlns:a16="http://schemas.microsoft.com/office/drawing/2014/main" id="{021BD1EC-3567-AE7B-4103-F62F6BEBBC85}"/>
               </a:ext>
             </a:extLst>
           </p:cNvPr>
@@ -6547,7 +6547,7 @@
           <p:cNvPr id="73" name="직선 화살표 연결선 72">
             <a:extLst>
               <a:ext uri="{FF2B5EF4-FFF2-40B4-BE49-F238E27FC236}">
-                <a16:creationId xmlns:a16="http://schemas.microsoft.com/office/drawing/2014/main" id="{8973F5DE-3966-EB51-524D-07E7C016A4F7}"/>
+                <a16:creationId xmlns="" xmlns:a16="http://schemas.microsoft.com/office/drawing/2014/main" id="{8973F5DE-3966-EB51-524D-07E7C016A4F7}"/>
               </a:ext>
             </a:extLst>
           </p:cNvPr>
@@ -6581,7 +6581,7 @@
           <p:cNvPr id="74" name="TextBox 73">
             <a:extLst>
               <a:ext uri="{FF2B5EF4-FFF2-40B4-BE49-F238E27FC236}">
-                <a16:creationId xmlns:a16="http://schemas.microsoft.com/office/drawing/2014/main" id="{6E2C3EC7-E1C0-BFA6-8031-50891008C392}"/>
+                <a16:creationId xmlns="" xmlns:a16="http://schemas.microsoft.com/office/drawing/2014/main" id="{6E2C3EC7-E1C0-BFA6-8031-50891008C392}"/>
               </a:ext>
             </a:extLst>
           </p:cNvPr>
@@ -6654,7 +6654,7 @@
           <p:cNvPr id="75" name="직선 화살표 연결선 74">
             <a:extLst>
               <a:ext uri="{FF2B5EF4-FFF2-40B4-BE49-F238E27FC236}">
-                <a16:creationId xmlns:a16="http://schemas.microsoft.com/office/drawing/2014/main" id="{97C0F581-FC43-5DEC-B0B4-C0FF3ACAD5ED}"/>
+                <a16:creationId xmlns="" xmlns:a16="http://schemas.microsoft.com/office/drawing/2014/main" id="{97C0F581-FC43-5DEC-B0B4-C0FF3ACAD5ED}"/>
               </a:ext>
             </a:extLst>
           </p:cNvPr>
@@ -6688,7 +6688,7 @@
           <p:cNvPr id="76" name="직선 화살표 연결선 75">
             <a:extLst>
               <a:ext uri="{FF2B5EF4-FFF2-40B4-BE49-F238E27FC236}">
-                <a16:creationId xmlns:a16="http://schemas.microsoft.com/office/drawing/2014/main" id="{8A5EC4E0-1E89-48CB-68FC-811DBD9DD4A4}"/>
+                <a16:creationId xmlns="" xmlns:a16="http://schemas.microsoft.com/office/drawing/2014/main" id="{8A5EC4E0-1E89-48CB-68FC-811DBD9DD4A4}"/>
               </a:ext>
             </a:extLst>
           </p:cNvPr>
@@ -6722,7 +6722,7 @@
           <p:cNvPr id="77" name="직선 화살표 연결선 76">
             <a:extLst>
               <a:ext uri="{FF2B5EF4-FFF2-40B4-BE49-F238E27FC236}">
-                <a16:creationId xmlns:a16="http://schemas.microsoft.com/office/drawing/2014/main" id="{5B413502-ADE8-AE2F-6566-F4E1FDB1E345}"/>
+                <a16:creationId xmlns="" xmlns:a16="http://schemas.microsoft.com/office/drawing/2014/main" id="{5B413502-ADE8-AE2F-6566-F4E1FDB1E345}"/>
               </a:ext>
             </a:extLst>
           </p:cNvPr>
@@ -6756,7 +6756,7 @@
           <p:cNvPr id="78" name="직선 화살표 연결선 77">
             <a:extLst>
               <a:ext uri="{FF2B5EF4-FFF2-40B4-BE49-F238E27FC236}">
-                <a16:creationId xmlns:a16="http://schemas.microsoft.com/office/drawing/2014/main" id="{04E77D31-03EE-D876-8E05-09254F127F2C}"/>
+                <a16:creationId xmlns="" xmlns:a16="http://schemas.microsoft.com/office/drawing/2014/main" id="{04E77D31-03EE-D876-8E05-09254F127F2C}"/>
               </a:ext>
             </a:extLst>
           </p:cNvPr>
@@ -6790,7 +6790,7 @@
           <p:cNvPr id="79" name="직선 화살표 연결선 78">
             <a:extLst>
               <a:ext uri="{FF2B5EF4-FFF2-40B4-BE49-F238E27FC236}">
-                <a16:creationId xmlns:a16="http://schemas.microsoft.com/office/drawing/2014/main" id="{59637551-A05C-5A6B-9C78-FF94AE095EF5}"/>
+                <a16:creationId xmlns="" xmlns:a16="http://schemas.microsoft.com/office/drawing/2014/main" id="{59637551-A05C-5A6B-9C78-FF94AE095EF5}"/>
               </a:ext>
             </a:extLst>
           </p:cNvPr>
@@ -6824,7 +6824,7 @@
           <p:cNvPr id="80" name="TextBox 79">
             <a:extLst>
               <a:ext uri="{FF2B5EF4-FFF2-40B4-BE49-F238E27FC236}">
-                <a16:creationId xmlns:a16="http://schemas.microsoft.com/office/drawing/2014/main" id="{050CE510-581F-C3A6-B49C-465B3E95ED80}"/>
+                <a16:creationId xmlns="" xmlns:a16="http://schemas.microsoft.com/office/drawing/2014/main" id="{050CE510-581F-C3A6-B49C-465B3E95ED80}"/>
               </a:ext>
             </a:extLst>
           </p:cNvPr>
@@ -6886,7 +6886,7 @@
           <p:cNvPr id="81" name="TextBox 80">
             <a:extLst>
               <a:ext uri="{FF2B5EF4-FFF2-40B4-BE49-F238E27FC236}">
-                <a16:creationId xmlns:a16="http://schemas.microsoft.com/office/drawing/2014/main" id="{F13F9FCC-3180-9641-B6C6-A559A5392447}"/>
+                <a16:creationId xmlns="" xmlns:a16="http://schemas.microsoft.com/office/drawing/2014/main" id="{F13F9FCC-3180-9641-B6C6-A559A5392447}"/>
               </a:ext>
             </a:extLst>
           </p:cNvPr>
@@ -6959,7 +6959,7 @@
           <p:cNvPr id="82" name="TextBox 81">
             <a:extLst>
               <a:ext uri="{FF2B5EF4-FFF2-40B4-BE49-F238E27FC236}">
-                <a16:creationId xmlns:a16="http://schemas.microsoft.com/office/drawing/2014/main" id="{FAF3D8C1-18F2-E1B2-394A-8C1295DA7543}"/>
+                <a16:creationId xmlns="" xmlns:a16="http://schemas.microsoft.com/office/drawing/2014/main" id="{FAF3D8C1-18F2-E1B2-394A-8C1295DA7543}"/>
               </a:ext>
             </a:extLst>
           </p:cNvPr>
@@ -7045,7 +7045,7 @@
           <p:cNvPr id="83" name="TextBox 82">
             <a:extLst>
               <a:ext uri="{FF2B5EF4-FFF2-40B4-BE49-F238E27FC236}">
-                <a16:creationId xmlns:a16="http://schemas.microsoft.com/office/drawing/2014/main" id="{EF24D465-C90B-4585-7A02-1EC2FB579B59}"/>
+                <a16:creationId xmlns="" xmlns:a16="http://schemas.microsoft.com/office/drawing/2014/main" id="{EF24D465-C90B-4585-7A02-1EC2FB579B59}"/>
               </a:ext>
             </a:extLst>
           </p:cNvPr>
@@ -7165,7 +7165,7 @@
           <p:cNvPr id="84" name="직선 화살표 연결선 83">
             <a:extLst>
               <a:ext uri="{FF2B5EF4-FFF2-40B4-BE49-F238E27FC236}">
-                <a16:creationId xmlns:a16="http://schemas.microsoft.com/office/drawing/2014/main" id="{59194F03-CC82-AE9F-3DA6-CEB329047BA4}"/>
+                <a16:creationId xmlns="" xmlns:a16="http://schemas.microsoft.com/office/drawing/2014/main" id="{59194F03-CC82-AE9F-3DA6-CEB329047BA4}"/>
               </a:ext>
             </a:extLst>
           </p:cNvPr>
@@ -7199,7 +7199,7 @@
           <p:cNvPr id="85" name="TextBox 84">
             <a:extLst>
               <a:ext uri="{FF2B5EF4-FFF2-40B4-BE49-F238E27FC236}">
-                <a16:creationId xmlns:a16="http://schemas.microsoft.com/office/drawing/2014/main" id="{4AFB72D0-2CC6-D421-F03F-6D8A13FCFF52}"/>
+                <a16:creationId xmlns="" xmlns:a16="http://schemas.microsoft.com/office/drawing/2014/main" id="{4AFB72D0-2CC6-D421-F03F-6D8A13FCFF52}"/>
               </a:ext>
             </a:extLst>
           </p:cNvPr>
@@ -7276,7 +7276,7 @@
           <p:cNvPr id="86" name="TextBox 85">
             <a:extLst>
               <a:ext uri="{FF2B5EF4-FFF2-40B4-BE49-F238E27FC236}">
-                <a16:creationId xmlns:a16="http://schemas.microsoft.com/office/drawing/2014/main" id="{B9B10D2B-17EA-8864-65D1-34D162A577CC}"/>
+                <a16:creationId xmlns="" xmlns:a16="http://schemas.microsoft.com/office/drawing/2014/main" id="{B9B10D2B-17EA-8864-65D1-34D162A577CC}"/>
               </a:ext>
             </a:extLst>
           </p:cNvPr>
@@ -7353,7 +7353,7 @@
           <p:cNvPr id="87" name="TextBox 86">
             <a:extLst>
               <a:ext uri="{FF2B5EF4-FFF2-40B4-BE49-F238E27FC236}">
-                <a16:creationId xmlns:a16="http://schemas.microsoft.com/office/drawing/2014/main" id="{288C6776-283C-FF73-EAE4-830A4C643E87}"/>
+                <a16:creationId xmlns="" xmlns:a16="http://schemas.microsoft.com/office/drawing/2014/main" id="{288C6776-283C-FF73-EAE4-830A4C643E87}"/>
               </a:ext>
             </a:extLst>
           </p:cNvPr>
@@ -7430,7 +7430,7 @@
           <p:cNvPr id="88" name="TextBox 87">
             <a:extLst>
               <a:ext uri="{FF2B5EF4-FFF2-40B4-BE49-F238E27FC236}">
-                <a16:creationId xmlns:a16="http://schemas.microsoft.com/office/drawing/2014/main" id="{297BCE20-3DF4-2482-263D-F69BB18606C7}"/>
+                <a16:creationId xmlns="" xmlns:a16="http://schemas.microsoft.com/office/drawing/2014/main" id="{297BCE20-3DF4-2482-263D-F69BB18606C7}"/>
               </a:ext>
             </a:extLst>
           </p:cNvPr>
@@ -7507,7 +7507,7 @@
           <p:cNvPr id="89" name="TextBox 88">
             <a:extLst>
               <a:ext uri="{FF2B5EF4-FFF2-40B4-BE49-F238E27FC236}">
-                <a16:creationId xmlns:a16="http://schemas.microsoft.com/office/drawing/2014/main" id="{E44797F1-2197-1BE9-FC60-229D92AA0477}"/>
+                <a16:creationId xmlns="" xmlns:a16="http://schemas.microsoft.com/office/drawing/2014/main" id="{E44797F1-2197-1BE9-FC60-229D92AA0477}"/>
               </a:ext>
             </a:extLst>
           </p:cNvPr>
@@ -7569,7 +7569,7 @@
           <p:cNvPr id="90" name="TextBox 89">
             <a:extLst>
               <a:ext uri="{FF2B5EF4-FFF2-40B4-BE49-F238E27FC236}">
-                <a16:creationId xmlns:a16="http://schemas.microsoft.com/office/drawing/2014/main" id="{B1AD0493-B8EB-704B-AEB7-DCC9D690529B}"/>
+                <a16:creationId xmlns="" xmlns:a16="http://schemas.microsoft.com/office/drawing/2014/main" id="{B1AD0493-B8EB-704B-AEB7-DCC9D690529B}"/>
               </a:ext>
             </a:extLst>
           </p:cNvPr>
@@ -7631,7 +7631,7 @@
           <p:cNvPr id="91" name="TextBox 90">
             <a:extLst>
               <a:ext uri="{FF2B5EF4-FFF2-40B4-BE49-F238E27FC236}">
-                <a16:creationId xmlns:a16="http://schemas.microsoft.com/office/drawing/2014/main" id="{2AAB2082-FC5D-A6B7-B7A7-265AFA243363}"/>
+                <a16:creationId xmlns="" xmlns:a16="http://schemas.microsoft.com/office/drawing/2014/main" id="{2AAB2082-FC5D-A6B7-B7A7-265AFA243363}"/>
               </a:ext>
             </a:extLst>
           </p:cNvPr>
@@ -7704,7 +7704,7 @@
           <p:cNvPr id="108" name="타원 107">
             <a:extLst>
               <a:ext uri="{FF2B5EF4-FFF2-40B4-BE49-F238E27FC236}">
-                <a16:creationId xmlns:a16="http://schemas.microsoft.com/office/drawing/2014/main" id="{23DED6BC-DCB7-A7DB-6D13-4CDB6A6993E4}"/>
+                <a16:creationId xmlns="" xmlns:a16="http://schemas.microsoft.com/office/drawing/2014/main" id="{23DED6BC-DCB7-A7DB-6D13-4CDB6A6993E4}"/>
               </a:ext>
             </a:extLst>
           </p:cNvPr>
@@ -7777,7 +7777,7 @@
           <p:cNvPr id="109" name="타원 108">
             <a:extLst>
               <a:ext uri="{FF2B5EF4-FFF2-40B4-BE49-F238E27FC236}">
-                <a16:creationId xmlns:a16="http://schemas.microsoft.com/office/drawing/2014/main" id="{53570B9A-C2EA-1901-5B4C-400A60194EC3}"/>
+                <a16:creationId xmlns="" xmlns:a16="http://schemas.microsoft.com/office/drawing/2014/main" id="{53570B9A-C2EA-1901-5B4C-400A60194EC3}"/>
               </a:ext>
             </a:extLst>
           </p:cNvPr>
@@ -7850,7 +7850,7 @@
           <p:cNvPr id="110" name="타원 109">
             <a:extLst>
               <a:ext uri="{FF2B5EF4-FFF2-40B4-BE49-F238E27FC236}">
-                <a16:creationId xmlns:a16="http://schemas.microsoft.com/office/drawing/2014/main" id="{B5F9AB15-E3FB-388B-D48C-7697C67A61C7}"/>
+                <a16:creationId xmlns="" xmlns:a16="http://schemas.microsoft.com/office/drawing/2014/main" id="{B5F9AB15-E3FB-388B-D48C-7697C67A61C7}"/>
               </a:ext>
             </a:extLst>
           </p:cNvPr>
@@ -7923,7 +7923,7 @@
           <p:cNvPr id="111" name="타원 110">
             <a:extLst>
               <a:ext uri="{FF2B5EF4-FFF2-40B4-BE49-F238E27FC236}">
-                <a16:creationId xmlns:a16="http://schemas.microsoft.com/office/drawing/2014/main" id="{83240134-6F16-D6C5-A6BE-E19B2AAF8DA7}"/>
+                <a16:creationId xmlns="" xmlns:a16="http://schemas.microsoft.com/office/drawing/2014/main" id="{83240134-6F16-D6C5-A6BE-E19B2AAF8DA7}"/>
               </a:ext>
             </a:extLst>
           </p:cNvPr>
@@ -7996,7 +7996,7 @@
           <p:cNvPr id="112" name="타원 111">
             <a:extLst>
               <a:ext uri="{FF2B5EF4-FFF2-40B4-BE49-F238E27FC236}">
-                <a16:creationId xmlns:a16="http://schemas.microsoft.com/office/drawing/2014/main" id="{AA33E8D1-F4A1-18B6-CD11-E9D036E02324}"/>
+                <a16:creationId xmlns="" xmlns:a16="http://schemas.microsoft.com/office/drawing/2014/main" id="{AA33E8D1-F4A1-18B6-CD11-E9D036E02324}"/>
               </a:ext>
             </a:extLst>
           </p:cNvPr>
@@ -8069,7 +8069,7 @@
           <p:cNvPr id="113" name="TextBox 112">
             <a:extLst>
               <a:ext uri="{FF2B5EF4-FFF2-40B4-BE49-F238E27FC236}">
-                <a16:creationId xmlns:a16="http://schemas.microsoft.com/office/drawing/2014/main" id="{2EBAF84C-83C7-9A26-8F07-1C45A747B214}"/>
+                <a16:creationId xmlns="" xmlns:a16="http://schemas.microsoft.com/office/drawing/2014/main" id="{2EBAF84C-83C7-9A26-8F07-1C45A747B214}"/>
               </a:ext>
             </a:extLst>
           </p:cNvPr>
@@ -8131,7 +8131,7 @@
           <p:cNvPr id="114" name="TextBox 113">
             <a:extLst>
               <a:ext uri="{FF2B5EF4-FFF2-40B4-BE49-F238E27FC236}">
-                <a16:creationId xmlns:a16="http://schemas.microsoft.com/office/drawing/2014/main" id="{31156148-39D2-6E06-DB8B-3CAD03E04680}"/>
+                <a16:creationId xmlns="" xmlns:a16="http://schemas.microsoft.com/office/drawing/2014/main" id="{31156148-39D2-6E06-DB8B-3CAD03E04680}"/>
               </a:ext>
             </a:extLst>
           </p:cNvPr>
@@ -8193,7 +8193,7 @@
           <p:cNvPr id="115" name="TextBox 114">
             <a:extLst>
               <a:ext uri="{FF2B5EF4-FFF2-40B4-BE49-F238E27FC236}">
-                <a16:creationId xmlns:a16="http://schemas.microsoft.com/office/drawing/2014/main" id="{0F4A405F-6D28-23F1-2938-F71C47DE0639}"/>
+                <a16:creationId xmlns="" xmlns:a16="http://schemas.microsoft.com/office/drawing/2014/main" id="{0F4A405F-6D28-23F1-2938-F71C47DE0639}"/>
               </a:ext>
             </a:extLst>
           </p:cNvPr>
@@ -8255,7 +8255,7 @@
           <p:cNvPr id="116" name="TextBox 115">
             <a:extLst>
               <a:ext uri="{FF2B5EF4-FFF2-40B4-BE49-F238E27FC236}">
-                <a16:creationId xmlns:a16="http://schemas.microsoft.com/office/drawing/2014/main" id="{161BBF31-0B20-01DB-0CAE-AB8D83184D11}"/>
+                <a16:creationId xmlns="" xmlns:a16="http://schemas.microsoft.com/office/drawing/2014/main" id="{161BBF31-0B20-01DB-0CAE-AB8D83184D11}"/>
               </a:ext>
             </a:extLst>
           </p:cNvPr>
@@ -8317,7 +8317,7 @@
           <p:cNvPr id="117" name="TextBox 116">
             <a:extLst>
               <a:ext uri="{FF2B5EF4-FFF2-40B4-BE49-F238E27FC236}">
-                <a16:creationId xmlns:a16="http://schemas.microsoft.com/office/drawing/2014/main" id="{A6617DC9-2C59-7434-6CD1-AAB3C579FE38}"/>
+                <a16:creationId xmlns="" xmlns:a16="http://schemas.microsoft.com/office/drawing/2014/main" id="{A6617DC9-2C59-7434-6CD1-AAB3C579FE38}"/>
               </a:ext>
             </a:extLst>
           </p:cNvPr>
@@ -9898,7 +9898,7 @@
             <p:cNvPr id="161" name="직선 화살표 연결선 160">
               <a:extLst>
                 <a:ext uri="{FF2B5EF4-FFF2-40B4-BE49-F238E27FC236}">
-                  <a16:creationId xmlns:a16="http://schemas.microsoft.com/office/drawing/2014/main" id="{18B5CBE1-66C3-4765-8516-8D02CE4B1047}"/>
+                  <a16:creationId xmlns="" xmlns:a16="http://schemas.microsoft.com/office/drawing/2014/main" id="{18B5CBE1-66C3-4765-8516-8D02CE4B1047}"/>
                 </a:ext>
               </a:extLst>
             </p:cNvPr>
@@ -9933,7 +9933,7 @@
             <p:cNvPr id="162" name="TextBox 161">
               <a:extLst>
                 <a:ext uri="{FF2B5EF4-FFF2-40B4-BE49-F238E27FC236}">
-                  <a16:creationId xmlns:a16="http://schemas.microsoft.com/office/drawing/2014/main" id="{61DF23F3-308A-47A1-B42F-7D7454B847D9}"/>
+                  <a16:creationId xmlns="" xmlns:a16="http://schemas.microsoft.com/office/drawing/2014/main" id="{61DF23F3-308A-47A1-B42F-7D7454B847D9}"/>
                 </a:ext>
               </a:extLst>
             </p:cNvPr>
@@ -9980,7 +9980,7 @@
             <p:cNvPr id="183" name="모서리가 둥근 직사각형 42">
               <a:extLst>
                 <a:ext uri="{FF2B5EF4-FFF2-40B4-BE49-F238E27FC236}">
-                  <a16:creationId xmlns:a16="http://schemas.microsoft.com/office/drawing/2014/main" id="{D50CF668-926A-D5D8-3835-312F373183DB}"/>
+                  <a16:creationId xmlns="" xmlns:a16="http://schemas.microsoft.com/office/drawing/2014/main" id="{D50CF668-926A-D5D8-3835-312F373183DB}"/>
                 </a:ext>
               </a:extLst>
             </p:cNvPr>
@@ -10055,7 +10055,7 @@
             <p:cNvPr id="184" name="TextBox 183">
               <a:extLst>
                 <a:ext uri="{FF2B5EF4-FFF2-40B4-BE49-F238E27FC236}">
-                  <a16:creationId xmlns:a16="http://schemas.microsoft.com/office/drawing/2014/main" id="{D36963B4-4958-98CA-064C-0E84AE856EAB}"/>
+                  <a16:creationId xmlns="" xmlns:a16="http://schemas.microsoft.com/office/drawing/2014/main" id="{D36963B4-4958-98CA-064C-0E84AE856EAB}"/>
                 </a:ext>
               </a:extLst>
             </p:cNvPr>
@@ -10102,7 +10102,7 @@
             <p:cNvPr id="186" name="직선 연결선 185">
               <a:extLst>
                 <a:ext uri="{FF2B5EF4-FFF2-40B4-BE49-F238E27FC236}">
-                  <a16:creationId xmlns:a16="http://schemas.microsoft.com/office/drawing/2014/main" id="{7DDC639F-67CC-3053-7F5A-35D10CD3B0D1}"/>
+                  <a16:creationId xmlns="" xmlns:a16="http://schemas.microsoft.com/office/drawing/2014/main" id="{7DDC639F-67CC-3053-7F5A-35D10CD3B0D1}"/>
                 </a:ext>
               </a:extLst>
             </p:cNvPr>
@@ -10138,7 +10138,7 @@
             <p:cNvPr id="188" name="TextBox 187">
               <a:extLst>
                 <a:ext uri="{FF2B5EF4-FFF2-40B4-BE49-F238E27FC236}">
-                  <a16:creationId xmlns:a16="http://schemas.microsoft.com/office/drawing/2014/main" id="{B706E634-9862-A386-CF2B-96E34FFB0AF8}"/>
+                  <a16:creationId xmlns="" xmlns:a16="http://schemas.microsoft.com/office/drawing/2014/main" id="{B706E634-9862-A386-CF2B-96E34FFB0AF8}"/>
                 </a:ext>
               </a:extLst>
             </p:cNvPr>
@@ -10188,7 +10188,7 @@
             <p:cNvPr id="192" name="직선 연결선 191">
               <a:extLst>
                 <a:ext uri="{FF2B5EF4-FFF2-40B4-BE49-F238E27FC236}">
-                  <a16:creationId xmlns:a16="http://schemas.microsoft.com/office/drawing/2014/main" id="{A2025EDB-A4D5-3480-A260-A9328B806CBA}"/>
+                  <a16:creationId xmlns="" xmlns:a16="http://schemas.microsoft.com/office/drawing/2014/main" id="{A2025EDB-A4D5-3480-A260-A9328B806CBA}"/>
                 </a:ext>
               </a:extLst>
             </p:cNvPr>
@@ -10223,7 +10223,7 @@
             <p:cNvPr id="193" name="직선 연결선 192">
               <a:extLst>
                 <a:ext uri="{FF2B5EF4-FFF2-40B4-BE49-F238E27FC236}">
-                  <a16:creationId xmlns:a16="http://schemas.microsoft.com/office/drawing/2014/main" id="{525521AB-AB26-D2F0-4790-CAEE90B1DD42}"/>
+                  <a16:creationId xmlns="" xmlns:a16="http://schemas.microsoft.com/office/drawing/2014/main" id="{525521AB-AB26-D2F0-4790-CAEE90B1DD42}"/>
                 </a:ext>
               </a:extLst>
             </p:cNvPr>
@@ -10258,7 +10258,7 @@
             <p:cNvPr id="194" name="TextBox 193">
               <a:extLst>
                 <a:ext uri="{FF2B5EF4-FFF2-40B4-BE49-F238E27FC236}">
-                  <a16:creationId xmlns:a16="http://schemas.microsoft.com/office/drawing/2014/main" id="{9BC22E51-DF39-F65F-C817-7A624C478F01}"/>
+                  <a16:creationId xmlns="" xmlns:a16="http://schemas.microsoft.com/office/drawing/2014/main" id="{9BC22E51-DF39-F65F-C817-7A624C478F01}"/>
                 </a:ext>
               </a:extLst>
             </p:cNvPr>
@@ -10305,7 +10305,7 @@
             <p:cNvPr id="195" name="TextBox 194">
               <a:extLst>
                 <a:ext uri="{FF2B5EF4-FFF2-40B4-BE49-F238E27FC236}">
-                  <a16:creationId xmlns:a16="http://schemas.microsoft.com/office/drawing/2014/main" id="{95C03B6F-60F4-E89A-5C42-BFC84490A5B2}"/>
+                  <a16:creationId xmlns="" xmlns:a16="http://schemas.microsoft.com/office/drawing/2014/main" id="{95C03B6F-60F4-E89A-5C42-BFC84490A5B2}"/>
                 </a:ext>
               </a:extLst>
             </p:cNvPr>
@@ -10352,7 +10352,7 @@
             <p:cNvPr id="196" name="직선 연결선 195">
               <a:extLst>
                 <a:ext uri="{FF2B5EF4-FFF2-40B4-BE49-F238E27FC236}">
-                  <a16:creationId xmlns:a16="http://schemas.microsoft.com/office/drawing/2014/main" id="{1050A68C-E9EF-4027-7BD6-6874CF478D46}"/>
+                  <a16:creationId xmlns="" xmlns:a16="http://schemas.microsoft.com/office/drawing/2014/main" id="{1050A68C-E9EF-4027-7BD6-6874CF478D46}"/>
                 </a:ext>
               </a:extLst>
             </p:cNvPr>
@@ -10387,7 +10387,7 @@
             <p:cNvPr id="197" name="직선 연결선 196">
               <a:extLst>
                 <a:ext uri="{FF2B5EF4-FFF2-40B4-BE49-F238E27FC236}">
-                  <a16:creationId xmlns:a16="http://schemas.microsoft.com/office/drawing/2014/main" id="{3F596C57-9594-4778-AD4C-D8ABFD2954BB}"/>
+                  <a16:creationId xmlns="" xmlns:a16="http://schemas.microsoft.com/office/drawing/2014/main" id="{3F596C57-9594-4778-AD4C-D8ABFD2954BB}"/>
                 </a:ext>
               </a:extLst>
             </p:cNvPr>
@@ -10455,7 +10455,7 @@
           <p:cNvPr id="66" name="타원 65">
             <a:extLst>
               <a:ext uri="{FF2B5EF4-FFF2-40B4-BE49-F238E27FC236}">
-                <a16:creationId xmlns:a16="http://schemas.microsoft.com/office/drawing/2014/main" id="{BB1BB9C6-DC59-24D9-701A-C0F81F5F8791}"/>
+                <a16:creationId xmlns="" xmlns:a16="http://schemas.microsoft.com/office/drawing/2014/main" id="{BB1BB9C6-DC59-24D9-701A-C0F81F5F8791}"/>
               </a:ext>
             </a:extLst>
           </p:cNvPr>
@@ -10560,7 +10560,7 @@
           <p:cNvPr id="65" name="타원 64">
             <a:extLst>
               <a:ext uri="{FF2B5EF4-FFF2-40B4-BE49-F238E27FC236}">
-                <a16:creationId xmlns:a16="http://schemas.microsoft.com/office/drawing/2014/main" id="{EC11C472-E555-C7B3-2B7F-2EE428671C93}"/>
+                <a16:creationId xmlns="" xmlns:a16="http://schemas.microsoft.com/office/drawing/2014/main" id="{EC11C472-E555-C7B3-2B7F-2EE428671C93}"/>
               </a:ext>
             </a:extLst>
           </p:cNvPr>
@@ -10785,7 +10785,7 @@
           <p:cNvPr id="132" name="TextBox 131">
             <a:extLst>
               <a:ext uri="{FF2B5EF4-FFF2-40B4-BE49-F238E27FC236}">
-                <a16:creationId xmlns:a16="http://schemas.microsoft.com/office/drawing/2014/main" id="{25D4C8E7-4DC3-7A1B-E6A2-FA9EF63D248D}"/>
+                <a16:creationId xmlns="" xmlns:a16="http://schemas.microsoft.com/office/drawing/2014/main" id="{25D4C8E7-4DC3-7A1B-E6A2-FA9EF63D248D}"/>
               </a:ext>
             </a:extLst>
           </p:cNvPr>
@@ -10888,7 +10888,7 @@
           <p:cNvPr id="6" name="직사각형 5">
             <a:extLst>
               <a:ext uri="{FF2B5EF4-FFF2-40B4-BE49-F238E27FC236}">
-                <a16:creationId xmlns:a16="http://schemas.microsoft.com/office/drawing/2014/main" id="{ABBB49D8-20BC-42DB-EFD0-19162F2BCE52}"/>
+                <a16:creationId xmlns="" xmlns:a16="http://schemas.microsoft.com/office/drawing/2014/main" id="{ABBB49D8-20BC-42DB-EFD0-19162F2BCE52}"/>
               </a:ext>
             </a:extLst>
           </p:cNvPr>
@@ -10960,7 +10960,7 @@
           <p:cNvPr id="9" name="직사각형 8">
             <a:extLst>
               <a:ext uri="{FF2B5EF4-FFF2-40B4-BE49-F238E27FC236}">
-                <a16:creationId xmlns:a16="http://schemas.microsoft.com/office/drawing/2014/main" id="{3BB612E6-BEEC-8EB0-BD2D-29AEC5E9A185}"/>
+                <a16:creationId xmlns="" xmlns:a16="http://schemas.microsoft.com/office/drawing/2014/main" id="{3BB612E6-BEEC-8EB0-BD2D-29AEC5E9A185}"/>
               </a:ext>
             </a:extLst>
           </p:cNvPr>
@@ -11032,7 +11032,7 @@
           <p:cNvPr id="10" name="직선 연결선 9">
             <a:extLst>
               <a:ext uri="{FF2B5EF4-FFF2-40B4-BE49-F238E27FC236}">
-                <a16:creationId xmlns:a16="http://schemas.microsoft.com/office/drawing/2014/main" id="{F9C00BF9-975A-ECC0-DE84-CCE517711A98}"/>
+                <a16:creationId xmlns="" xmlns:a16="http://schemas.microsoft.com/office/drawing/2014/main" id="{F9C00BF9-975A-ECC0-DE84-CCE517711A98}"/>
               </a:ext>
             </a:extLst>
           </p:cNvPr>
@@ -11065,7 +11065,7 @@
           <p:cNvPr id="11" name="직선 연결선 10">
             <a:extLst>
               <a:ext uri="{FF2B5EF4-FFF2-40B4-BE49-F238E27FC236}">
-                <a16:creationId xmlns:a16="http://schemas.microsoft.com/office/drawing/2014/main" id="{01CF91D6-7D61-3F86-4B5B-896B01C5363E}"/>
+                <a16:creationId xmlns="" xmlns:a16="http://schemas.microsoft.com/office/drawing/2014/main" id="{01CF91D6-7D61-3F86-4B5B-896B01C5363E}"/>
               </a:ext>
             </a:extLst>
           </p:cNvPr>
@@ -11098,7 +11098,7 @@
           <p:cNvPr id="14" name="직선 연결선 13">
             <a:extLst>
               <a:ext uri="{FF2B5EF4-FFF2-40B4-BE49-F238E27FC236}">
-                <a16:creationId xmlns:a16="http://schemas.microsoft.com/office/drawing/2014/main" id="{37D7B3DD-22EA-33F3-24D3-D1B23546C45B}"/>
+                <a16:creationId xmlns="" xmlns:a16="http://schemas.microsoft.com/office/drawing/2014/main" id="{37D7B3DD-22EA-33F3-24D3-D1B23546C45B}"/>
               </a:ext>
             </a:extLst>
           </p:cNvPr>
@@ -11131,7 +11131,7 @@
           <p:cNvPr id="15" name="그룹 14">
             <a:extLst>
               <a:ext uri="{FF2B5EF4-FFF2-40B4-BE49-F238E27FC236}">
-                <a16:creationId xmlns:a16="http://schemas.microsoft.com/office/drawing/2014/main" id="{F2192FF1-594B-5F37-FCD9-ED885CA1EC0C}"/>
+                <a16:creationId xmlns="" xmlns:a16="http://schemas.microsoft.com/office/drawing/2014/main" id="{F2192FF1-594B-5F37-FCD9-ED885CA1EC0C}"/>
               </a:ext>
             </a:extLst>
           </p:cNvPr>
@@ -11151,7 +11151,7 @@
             <p:cNvPr id="16" name="그룹 15">
               <a:extLst>
                 <a:ext uri="{FF2B5EF4-FFF2-40B4-BE49-F238E27FC236}">
-                  <a16:creationId xmlns:a16="http://schemas.microsoft.com/office/drawing/2014/main" id="{DD46F79B-32E2-C8D5-1C80-35CBE3499B16}"/>
+                  <a16:creationId xmlns="" xmlns:a16="http://schemas.microsoft.com/office/drawing/2014/main" id="{DD46F79B-32E2-C8D5-1C80-35CBE3499B16}"/>
                 </a:ext>
               </a:extLst>
             </p:cNvPr>
@@ -11171,7 +11171,7 @@
               <p:cNvPr id="18" name="직사각형 17">
                 <a:extLst>
                   <a:ext uri="{FF2B5EF4-FFF2-40B4-BE49-F238E27FC236}">
-                    <a16:creationId xmlns:a16="http://schemas.microsoft.com/office/drawing/2014/main" id="{EEF2E78F-261F-328E-2FD7-652F0D0CB2CA}"/>
+                    <a16:creationId xmlns="" xmlns:a16="http://schemas.microsoft.com/office/drawing/2014/main" id="{EEF2E78F-261F-328E-2FD7-652F0D0CB2CA}"/>
                   </a:ext>
                 </a:extLst>
               </p:cNvPr>
@@ -11241,7 +11241,7 @@
               <p:cNvPr id="19" name="직사각형 18">
                 <a:extLst>
                   <a:ext uri="{FF2B5EF4-FFF2-40B4-BE49-F238E27FC236}">
-                    <a16:creationId xmlns:a16="http://schemas.microsoft.com/office/drawing/2014/main" id="{5F425616-78A7-DA7C-EA20-12E68A543EB4}"/>
+                    <a16:creationId xmlns="" xmlns:a16="http://schemas.microsoft.com/office/drawing/2014/main" id="{5F425616-78A7-DA7C-EA20-12E68A543EB4}"/>
                   </a:ext>
                 </a:extLst>
               </p:cNvPr>
@@ -11311,7 +11311,7 @@
               <p:cNvPr id="20" name="그룹 19">
                 <a:extLst>
                   <a:ext uri="{FF2B5EF4-FFF2-40B4-BE49-F238E27FC236}">
-                    <a16:creationId xmlns:a16="http://schemas.microsoft.com/office/drawing/2014/main" id="{7963AF3D-4F94-AB54-748E-FD4C6F7FEFFC}"/>
+                    <a16:creationId xmlns="" xmlns:a16="http://schemas.microsoft.com/office/drawing/2014/main" id="{7963AF3D-4F94-AB54-748E-FD4C6F7FEFFC}"/>
                   </a:ext>
                 </a:extLst>
               </p:cNvPr>
@@ -11331,7 +11331,7 @@
                 <p:cNvPr id="21" name="직선 연결선 20">
                   <a:extLst>
                     <a:ext uri="{FF2B5EF4-FFF2-40B4-BE49-F238E27FC236}">
-                      <a16:creationId xmlns:a16="http://schemas.microsoft.com/office/drawing/2014/main" id="{54571CFF-DCDE-48F7-8ADF-66FC355CCDA6}"/>
+                      <a16:creationId xmlns="" xmlns:a16="http://schemas.microsoft.com/office/drawing/2014/main" id="{54571CFF-DCDE-48F7-8ADF-66FC355CCDA6}"/>
                     </a:ext>
                   </a:extLst>
                 </p:cNvPr>
@@ -11366,7 +11366,7 @@
                 <p:cNvPr id="22" name="직선 연결선 21">
                   <a:extLst>
                     <a:ext uri="{FF2B5EF4-FFF2-40B4-BE49-F238E27FC236}">
-                      <a16:creationId xmlns:a16="http://schemas.microsoft.com/office/drawing/2014/main" id="{0BCE024B-D524-5A55-D8D4-F789BFC4B94D}"/>
+                      <a16:creationId xmlns="" xmlns:a16="http://schemas.microsoft.com/office/drawing/2014/main" id="{0BCE024B-D524-5A55-D8D4-F789BFC4B94D}"/>
                     </a:ext>
                   </a:extLst>
                 </p:cNvPr>
@@ -11401,7 +11401,7 @@
                 <p:cNvPr id="23" name="직선 연결선 22">
                   <a:extLst>
                     <a:ext uri="{FF2B5EF4-FFF2-40B4-BE49-F238E27FC236}">
-                      <a16:creationId xmlns:a16="http://schemas.microsoft.com/office/drawing/2014/main" id="{C177BB9B-39BC-96FA-2E6A-743496F7D7D9}"/>
+                      <a16:creationId xmlns="" xmlns:a16="http://schemas.microsoft.com/office/drawing/2014/main" id="{C177BB9B-39BC-96FA-2E6A-743496F7D7D9}"/>
                     </a:ext>
                   </a:extLst>
                 </p:cNvPr>
@@ -11438,7 +11438,7 @@
             <p:cNvPr id="17" name="TextBox 16">
               <a:extLst>
                 <a:ext uri="{FF2B5EF4-FFF2-40B4-BE49-F238E27FC236}">
-                  <a16:creationId xmlns:a16="http://schemas.microsoft.com/office/drawing/2014/main" id="{B7866E88-9D24-EFD3-3B0B-D0D6C441852D}"/>
+                  <a16:creationId xmlns="" xmlns:a16="http://schemas.microsoft.com/office/drawing/2014/main" id="{B7866E88-9D24-EFD3-3B0B-D0D6C441852D}"/>
                 </a:ext>
               </a:extLst>
             </p:cNvPr>
@@ -11512,7 +11512,7 @@
           <p:cNvPr id="24" name="그룹 23">
             <a:extLst>
               <a:ext uri="{FF2B5EF4-FFF2-40B4-BE49-F238E27FC236}">
-                <a16:creationId xmlns:a16="http://schemas.microsoft.com/office/drawing/2014/main" id="{7B1E27A9-DC51-080D-8292-709B9191958B}"/>
+                <a16:creationId xmlns="" xmlns:a16="http://schemas.microsoft.com/office/drawing/2014/main" id="{7B1E27A9-DC51-080D-8292-709B9191958B}"/>
               </a:ext>
             </a:extLst>
           </p:cNvPr>
@@ -11532,7 +11532,7 @@
             <p:cNvPr id="25" name="그룹 24">
               <a:extLst>
                 <a:ext uri="{FF2B5EF4-FFF2-40B4-BE49-F238E27FC236}">
-                  <a16:creationId xmlns:a16="http://schemas.microsoft.com/office/drawing/2014/main" id="{723F1BFD-DBB4-FF5B-5456-242B349085B5}"/>
+                  <a16:creationId xmlns="" xmlns:a16="http://schemas.microsoft.com/office/drawing/2014/main" id="{723F1BFD-DBB4-FF5B-5456-242B349085B5}"/>
                 </a:ext>
               </a:extLst>
             </p:cNvPr>
@@ -11552,7 +11552,7 @@
               <p:cNvPr id="27" name="직사각형 26">
                 <a:extLst>
                   <a:ext uri="{FF2B5EF4-FFF2-40B4-BE49-F238E27FC236}">
-                    <a16:creationId xmlns:a16="http://schemas.microsoft.com/office/drawing/2014/main" id="{C913439A-529A-4415-8C5C-509FF0846E25}"/>
+                    <a16:creationId xmlns="" xmlns:a16="http://schemas.microsoft.com/office/drawing/2014/main" id="{C913439A-529A-4415-8C5C-509FF0846E25}"/>
                   </a:ext>
                 </a:extLst>
               </p:cNvPr>
@@ -11622,7 +11622,7 @@
               <p:cNvPr id="28" name="직사각형 27">
                 <a:extLst>
                   <a:ext uri="{FF2B5EF4-FFF2-40B4-BE49-F238E27FC236}">
-                    <a16:creationId xmlns:a16="http://schemas.microsoft.com/office/drawing/2014/main" id="{08C7DC2C-2A04-870C-FEC3-246722570BF5}"/>
+                    <a16:creationId xmlns="" xmlns:a16="http://schemas.microsoft.com/office/drawing/2014/main" id="{08C7DC2C-2A04-870C-FEC3-246722570BF5}"/>
                   </a:ext>
                 </a:extLst>
               </p:cNvPr>
@@ -11692,7 +11692,7 @@
               <p:cNvPr id="29" name="그룹 28">
                 <a:extLst>
                   <a:ext uri="{FF2B5EF4-FFF2-40B4-BE49-F238E27FC236}">
-                    <a16:creationId xmlns:a16="http://schemas.microsoft.com/office/drawing/2014/main" id="{327A3831-84D0-81D7-1A08-3140EF0960B1}"/>
+                    <a16:creationId xmlns="" xmlns:a16="http://schemas.microsoft.com/office/drawing/2014/main" id="{327A3831-84D0-81D7-1A08-3140EF0960B1}"/>
                   </a:ext>
                 </a:extLst>
               </p:cNvPr>
@@ -11712,7 +11712,7 @@
                 <p:cNvPr id="30" name="직선 연결선 29">
                   <a:extLst>
                     <a:ext uri="{FF2B5EF4-FFF2-40B4-BE49-F238E27FC236}">
-                      <a16:creationId xmlns:a16="http://schemas.microsoft.com/office/drawing/2014/main" id="{924F6CCF-2CAD-DF7C-55DA-F16D5624B0C8}"/>
+                      <a16:creationId xmlns="" xmlns:a16="http://schemas.microsoft.com/office/drawing/2014/main" id="{924F6CCF-2CAD-DF7C-55DA-F16D5624B0C8}"/>
                     </a:ext>
                   </a:extLst>
                 </p:cNvPr>
@@ -11747,7 +11747,7 @@
                 <p:cNvPr id="31" name="직선 연결선 30">
                   <a:extLst>
                     <a:ext uri="{FF2B5EF4-FFF2-40B4-BE49-F238E27FC236}">
-                      <a16:creationId xmlns:a16="http://schemas.microsoft.com/office/drawing/2014/main" id="{1C4DB6B8-BF71-616B-547A-85F144304BB7}"/>
+                      <a16:creationId xmlns="" xmlns:a16="http://schemas.microsoft.com/office/drawing/2014/main" id="{1C4DB6B8-BF71-616B-547A-85F144304BB7}"/>
                     </a:ext>
                   </a:extLst>
                 </p:cNvPr>
@@ -11782,7 +11782,7 @@
                 <p:cNvPr id="32" name="직선 연결선 31">
                   <a:extLst>
                     <a:ext uri="{FF2B5EF4-FFF2-40B4-BE49-F238E27FC236}">
-                      <a16:creationId xmlns:a16="http://schemas.microsoft.com/office/drawing/2014/main" id="{56FA7955-8D01-3B0A-0435-020B5D395578}"/>
+                      <a16:creationId xmlns="" xmlns:a16="http://schemas.microsoft.com/office/drawing/2014/main" id="{56FA7955-8D01-3B0A-0435-020B5D395578}"/>
                     </a:ext>
                   </a:extLst>
                 </p:cNvPr>
@@ -11819,7 +11819,7 @@
             <p:cNvPr id="26" name="TextBox 25">
               <a:extLst>
                 <a:ext uri="{FF2B5EF4-FFF2-40B4-BE49-F238E27FC236}">
-                  <a16:creationId xmlns:a16="http://schemas.microsoft.com/office/drawing/2014/main" id="{ADD31FF7-E999-1C87-5B48-47ED33263E97}"/>
+                  <a16:creationId xmlns="" xmlns:a16="http://schemas.microsoft.com/office/drawing/2014/main" id="{ADD31FF7-E999-1C87-5B48-47ED33263E97}"/>
                 </a:ext>
               </a:extLst>
             </p:cNvPr>
@@ -11893,7 +11893,7 @@
           <p:cNvPr id="33" name="그룹 32">
             <a:extLst>
               <a:ext uri="{FF2B5EF4-FFF2-40B4-BE49-F238E27FC236}">
-                <a16:creationId xmlns:a16="http://schemas.microsoft.com/office/drawing/2014/main" id="{CEBFB611-CE5B-D4AC-2520-3EBCD7B98CAB}"/>
+                <a16:creationId xmlns="" xmlns:a16="http://schemas.microsoft.com/office/drawing/2014/main" id="{CEBFB611-CE5B-D4AC-2520-3EBCD7B98CAB}"/>
               </a:ext>
             </a:extLst>
           </p:cNvPr>
@@ -11913,7 +11913,7 @@
             <p:cNvPr id="34" name="그룹 33">
               <a:extLst>
                 <a:ext uri="{FF2B5EF4-FFF2-40B4-BE49-F238E27FC236}">
-                  <a16:creationId xmlns:a16="http://schemas.microsoft.com/office/drawing/2014/main" id="{1520AC24-85EA-DA73-61F4-A5E84DFADC58}"/>
+                  <a16:creationId xmlns="" xmlns:a16="http://schemas.microsoft.com/office/drawing/2014/main" id="{1520AC24-85EA-DA73-61F4-A5E84DFADC58}"/>
                 </a:ext>
               </a:extLst>
             </p:cNvPr>
@@ -11933,7 +11933,7 @@
               <p:cNvPr id="36" name="직사각형 35">
                 <a:extLst>
                   <a:ext uri="{FF2B5EF4-FFF2-40B4-BE49-F238E27FC236}">
-                    <a16:creationId xmlns:a16="http://schemas.microsoft.com/office/drawing/2014/main" id="{9ECD9696-90F2-3733-1B1A-F78FE4AFF9D1}"/>
+                    <a16:creationId xmlns="" xmlns:a16="http://schemas.microsoft.com/office/drawing/2014/main" id="{9ECD9696-90F2-3733-1B1A-F78FE4AFF9D1}"/>
                   </a:ext>
                 </a:extLst>
               </p:cNvPr>
@@ -12003,7 +12003,7 @@
               <p:cNvPr id="37" name="직사각형 36">
                 <a:extLst>
                   <a:ext uri="{FF2B5EF4-FFF2-40B4-BE49-F238E27FC236}">
-                    <a16:creationId xmlns:a16="http://schemas.microsoft.com/office/drawing/2014/main" id="{A546F8DF-8E5D-1308-F34A-97459997BA40}"/>
+                    <a16:creationId xmlns="" xmlns:a16="http://schemas.microsoft.com/office/drawing/2014/main" id="{A546F8DF-8E5D-1308-F34A-97459997BA40}"/>
                   </a:ext>
                 </a:extLst>
               </p:cNvPr>
@@ -12073,7 +12073,7 @@
               <p:cNvPr id="38" name="그룹 37">
                 <a:extLst>
                   <a:ext uri="{FF2B5EF4-FFF2-40B4-BE49-F238E27FC236}">
-                    <a16:creationId xmlns:a16="http://schemas.microsoft.com/office/drawing/2014/main" id="{68051FCA-3943-B285-8B51-017CFE282365}"/>
+                    <a16:creationId xmlns="" xmlns:a16="http://schemas.microsoft.com/office/drawing/2014/main" id="{68051FCA-3943-B285-8B51-017CFE282365}"/>
                   </a:ext>
                 </a:extLst>
               </p:cNvPr>
@@ -12093,7 +12093,7 @@
                 <p:cNvPr id="39" name="직선 연결선 38">
                   <a:extLst>
                     <a:ext uri="{FF2B5EF4-FFF2-40B4-BE49-F238E27FC236}">
-                      <a16:creationId xmlns:a16="http://schemas.microsoft.com/office/drawing/2014/main" id="{3F3F4683-4C1D-8639-AF62-32865B33B085}"/>
+                      <a16:creationId xmlns="" xmlns:a16="http://schemas.microsoft.com/office/drawing/2014/main" id="{3F3F4683-4C1D-8639-AF62-32865B33B085}"/>
                     </a:ext>
                   </a:extLst>
                 </p:cNvPr>
@@ -12128,7 +12128,7 @@
                 <p:cNvPr id="40" name="직선 연결선 39">
                   <a:extLst>
                     <a:ext uri="{FF2B5EF4-FFF2-40B4-BE49-F238E27FC236}">
-                      <a16:creationId xmlns:a16="http://schemas.microsoft.com/office/drawing/2014/main" id="{C7572B8A-0103-ED22-5EAB-78206A85986F}"/>
+                      <a16:creationId xmlns="" xmlns:a16="http://schemas.microsoft.com/office/drawing/2014/main" id="{C7572B8A-0103-ED22-5EAB-78206A85986F}"/>
                     </a:ext>
                   </a:extLst>
                 </p:cNvPr>
@@ -12163,7 +12163,7 @@
                 <p:cNvPr id="41" name="직선 연결선 40">
                   <a:extLst>
                     <a:ext uri="{FF2B5EF4-FFF2-40B4-BE49-F238E27FC236}">
-                      <a16:creationId xmlns:a16="http://schemas.microsoft.com/office/drawing/2014/main" id="{05C4CD7B-58FF-7918-7369-B369D7C7803A}"/>
+                      <a16:creationId xmlns="" xmlns:a16="http://schemas.microsoft.com/office/drawing/2014/main" id="{05C4CD7B-58FF-7918-7369-B369D7C7803A}"/>
                     </a:ext>
                   </a:extLst>
                 </p:cNvPr>
@@ -12200,7 +12200,7 @@
             <p:cNvPr id="35" name="TextBox 34">
               <a:extLst>
                 <a:ext uri="{FF2B5EF4-FFF2-40B4-BE49-F238E27FC236}">
-                  <a16:creationId xmlns:a16="http://schemas.microsoft.com/office/drawing/2014/main" id="{5D986542-F312-C1C9-F0BD-D5905408D108}"/>
+                  <a16:creationId xmlns="" xmlns:a16="http://schemas.microsoft.com/office/drawing/2014/main" id="{5D986542-F312-C1C9-F0BD-D5905408D108}"/>
                 </a:ext>
               </a:extLst>
             </p:cNvPr>
@@ -12274,7 +12274,7 @@
           <p:cNvPr id="51" name="그룹 50">
             <a:extLst>
               <a:ext uri="{FF2B5EF4-FFF2-40B4-BE49-F238E27FC236}">
-                <a16:creationId xmlns:a16="http://schemas.microsoft.com/office/drawing/2014/main" id="{AE60C337-8AE2-C686-F4DC-A9C632E0C624}"/>
+                <a16:creationId xmlns="" xmlns:a16="http://schemas.microsoft.com/office/drawing/2014/main" id="{AE60C337-8AE2-C686-F4DC-A9C632E0C624}"/>
               </a:ext>
             </a:extLst>
           </p:cNvPr>
@@ -12294,7 +12294,7 @@
             <p:cNvPr id="52" name="그룹 51">
               <a:extLst>
                 <a:ext uri="{FF2B5EF4-FFF2-40B4-BE49-F238E27FC236}">
-                  <a16:creationId xmlns:a16="http://schemas.microsoft.com/office/drawing/2014/main" id="{DCA81135-89DA-DCCA-2895-A2AF5E337D69}"/>
+                  <a16:creationId xmlns="" xmlns:a16="http://schemas.microsoft.com/office/drawing/2014/main" id="{DCA81135-89DA-DCCA-2895-A2AF5E337D69}"/>
                 </a:ext>
               </a:extLst>
             </p:cNvPr>
@@ -12314,7 +12314,7 @@
               <p:cNvPr id="54" name="직사각형 53">
                 <a:extLst>
                   <a:ext uri="{FF2B5EF4-FFF2-40B4-BE49-F238E27FC236}">
-                    <a16:creationId xmlns:a16="http://schemas.microsoft.com/office/drawing/2014/main" id="{AAF6E153-B154-B004-69B4-CA3E60E143B6}"/>
+                    <a16:creationId xmlns="" xmlns:a16="http://schemas.microsoft.com/office/drawing/2014/main" id="{AAF6E153-B154-B004-69B4-CA3E60E143B6}"/>
                   </a:ext>
                 </a:extLst>
               </p:cNvPr>
@@ -12384,7 +12384,7 @@
               <p:cNvPr id="55" name="직사각형 54">
                 <a:extLst>
                   <a:ext uri="{FF2B5EF4-FFF2-40B4-BE49-F238E27FC236}">
-                    <a16:creationId xmlns:a16="http://schemas.microsoft.com/office/drawing/2014/main" id="{0E12BDAC-502D-1198-3408-363FB402B949}"/>
+                    <a16:creationId xmlns="" xmlns:a16="http://schemas.microsoft.com/office/drawing/2014/main" id="{0E12BDAC-502D-1198-3408-363FB402B949}"/>
                   </a:ext>
                 </a:extLst>
               </p:cNvPr>
@@ -12454,7 +12454,7 @@
               <p:cNvPr id="56" name="그룹 55">
                 <a:extLst>
                   <a:ext uri="{FF2B5EF4-FFF2-40B4-BE49-F238E27FC236}">
-                    <a16:creationId xmlns:a16="http://schemas.microsoft.com/office/drawing/2014/main" id="{C581E4BB-76BF-0ED9-E603-467C06DB2F6A}"/>
+                    <a16:creationId xmlns="" xmlns:a16="http://schemas.microsoft.com/office/drawing/2014/main" id="{C581E4BB-76BF-0ED9-E603-467C06DB2F6A}"/>
                   </a:ext>
                 </a:extLst>
               </p:cNvPr>
@@ -12474,7 +12474,7 @@
                 <p:cNvPr id="57" name="직선 연결선 56">
                   <a:extLst>
                     <a:ext uri="{FF2B5EF4-FFF2-40B4-BE49-F238E27FC236}">
-                      <a16:creationId xmlns:a16="http://schemas.microsoft.com/office/drawing/2014/main" id="{45CFBEC8-CB5A-9FE5-9A9A-EFC7A9FFF12E}"/>
+                      <a16:creationId xmlns="" xmlns:a16="http://schemas.microsoft.com/office/drawing/2014/main" id="{45CFBEC8-CB5A-9FE5-9A9A-EFC7A9FFF12E}"/>
                     </a:ext>
                   </a:extLst>
                 </p:cNvPr>
@@ -12509,7 +12509,7 @@
                 <p:cNvPr id="58" name="직선 연결선 57">
                   <a:extLst>
                     <a:ext uri="{FF2B5EF4-FFF2-40B4-BE49-F238E27FC236}">
-                      <a16:creationId xmlns:a16="http://schemas.microsoft.com/office/drawing/2014/main" id="{3BF94746-A9C7-CCC9-02B3-F6EECCCA922C}"/>
+                      <a16:creationId xmlns="" xmlns:a16="http://schemas.microsoft.com/office/drawing/2014/main" id="{3BF94746-A9C7-CCC9-02B3-F6EECCCA922C}"/>
                     </a:ext>
                   </a:extLst>
                 </p:cNvPr>
@@ -12544,7 +12544,7 @@
                 <p:cNvPr id="59" name="직선 연결선 58">
                   <a:extLst>
                     <a:ext uri="{FF2B5EF4-FFF2-40B4-BE49-F238E27FC236}">
-                      <a16:creationId xmlns:a16="http://schemas.microsoft.com/office/drawing/2014/main" id="{CCDB9719-6362-1764-2D5A-E3E459C924C8}"/>
+                      <a16:creationId xmlns="" xmlns:a16="http://schemas.microsoft.com/office/drawing/2014/main" id="{CCDB9719-6362-1764-2D5A-E3E459C924C8}"/>
                     </a:ext>
                   </a:extLst>
                 </p:cNvPr>
@@ -12581,7 +12581,7 @@
             <p:cNvPr id="53" name="TextBox 52">
               <a:extLst>
                 <a:ext uri="{FF2B5EF4-FFF2-40B4-BE49-F238E27FC236}">
-                  <a16:creationId xmlns:a16="http://schemas.microsoft.com/office/drawing/2014/main" id="{8149EEF0-699D-EAEC-5891-E4DBEAE9041D}"/>
+                  <a16:creationId xmlns="" xmlns:a16="http://schemas.microsoft.com/office/drawing/2014/main" id="{8149EEF0-699D-EAEC-5891-E4DBEAE9041D}"/>
                 </a:ext>
               </a:extLst>
             </p:cNvPr>
@@ -12655,7 +12655,7 @@
           <p:cNvPr id="69" name="직선 화살표 연결선 68">
             <a:extLst>
               <a:ext uri="{FF2B5EF4-FFF2-40B4-BE49-F238E27FC236}">
-                <a16:creationId xmlns:a16="http://schemas.microsoft.com/office/drawing/2014/main" id="{AB125CA0-8E1F-71D0-2BF8-17E502E76DA4}"/>
+                <a16:creationId xmlns="" xmlns:a16="http://schemas.microsoft.com/office/drawing/2014/main" id="{AB125CA0-8E1F-71D0-2BF8-17E502E76DA4}"/>
               </a:ext>
             </a:extLst>
           </p:cNvPr>
@@ -12690,7 +12690,7 @@
           <p:cNvPr id="70" name="TextBox 69">
             <a:extLst>
               <a:ext uri="{FF2B5EF4-FFF2-40B4-BE49-F238E27FC236}">
-                <a16:creationId xmlns:a16="http://schemas.microsoft.com/office/drawing/2014/main" id="{6E380A70-DE18-73AE-F269-12088DBE1C7A}"/>
+                <a16:creationId xmlns="" xmlns:a16="http://schemas.microsoft.com/office/drawing/2014/main" id="{6E380A70-DE18-73AE-F269-12088DBE1C7A}"/>
               </a:ext>
             </a:extLst>
           </p:cNvPr>
@@ -12763,7 +12763,7 @@
           <p:cNvPr id="71" name="직선 화살표 연결선 70">
             <a:extLst>
               <a:ext uri="{FF2B5EF4-FFF2-40B4-BE49-F238E27FC236}">
-                <a16:creationId xmlns:a16="http://schemas.microsoft.com/office/drawing/2014/main" id="{B53B19AE-4A48-1282-9855-55799975E9EA}"/>
+                <a16:creationId xmlns="" xmlns:a16="http://schemas.microsoft.com/office/drawing/2014/main" id="{B53B19AE-4A48-1282-9855-55799975E9EA}"/>
               </a:ext>
             </a:extLst>
           </p:cNvPr>
@@ -12800,7 +12800,7 @@
           <p:cNvPr id="72" name="직선 화살표 연결선 71">
             <a:extLst>
               <a:ext uri="{FF2B5EF4-FFF2-40B4-BE49-F238E27FC236}">
-                <a16:creationId xmlns:a16="http://schemas.microsoft.com/office/drawing/2014/main" id="{DB8BCC3D-769E-ECC7-8D57-1B142EE15E70}"/>
+                <a16:creationId xmlns="" xmlns:a16="http://schemas.microsoft.com/office/drawing/2014/main" id="{DB8BCC3D-769E-ECC7-8D57-1B142EE15E70}"/>
               </a:ext>
             </a:extLst>
           </p:cNvPr>
@@ -12837,7 +12837,7 @@
           <p:cNvPr id="73" name="직사각형 72">
             <a:extLst>
               <a:ext uri="{FF2B5EF4-FFF2-40B4-BE49-F238E27FC236}">
-                <a16:creationId xmlns:a16="http://schemas.microsoft.com/office/drawing/2014/main" id="{C15F01BF-792F-88CD-912C-1334E7701D4B}"/>
+                <a16:creationId xmlns="" xmlns:a16="http://schemas.microsoft.com/office/drawing/2014/main" id="{C15F01BF-792F-88CD-912C-1334E7701D4B}"/>
               </a:ext>
             </a:extLst>
           </p:cNvPr>
@@ -12907,7 +12907,7 @@
           <p:cNvPr id="74" name="직사각형 73">
             <a:extLst>
               <a:ext uri="{FF2B5EF4-FFF2-40B4-BE49-F238E27FC236}">
-                <a16:creationId xmlns:a16="http://schemas.microsoft.com/office/drawing/2014/main" id="{873FAF08-6E69-A95A-2AA5-A88515AFB3D5}"/>
+                <a16:creationId xmlns="" xmlns:a16="http://schemas.microsoft.com/office/drawing/2014/main" id="{873FAF08-6E69-A95A-2AA5-A88515AFB3D5}"/>
               </a:ext>
             </a:extLst>
           </p:cNvPr>
@@ -12977,7 +12977,7 @@
           <p:cNvPr id="75" name="TextBox 74">
             <a:extLst>
               <a:ext uri="{FF2B5EF4-FFF2-40B4-BE49-F238E27FC236}">
-                <a16:creationId xmlns:a16="http://schemas.microsoft.com/office/drawing/2014/main" id="{A7332C03-496C-8A3D-59BB-63DB1C63A0D9}"/>
+                <a16:creationId xmlns="" xmlns:a16="http://schemas.microsoft.com/office/drawing/2014/main" id="{A7332C03-496C-8A3D-59BB-63DB1C63A0D9}"/>
               </a:ext>
             </a:extLst>
           </p:cNvPr>
@@ -13056,7 +13056,7 @@
           <p:cNvPr id="76" name="직선 화살표 연결선 75">
             <a:extLst>
               <a:ext uri="{FF2B5EF4-FFF2-40B4-BE49-F238E27FC236}">
-                <a16:creationId xmlns:a16="http://schemas.microsoft.com/office/drawing/2014/main" id="{04FF6B22-F0F9-DD96-0654-F4353F3454A8}"/>
+                <a16:creationId xmlns="" xmlns:a16="http://schemas.microsoft.com/office/drawing/2014/main" id="{04FF6B22-F0F9-DD96-0654-F4353F3454A8}"/>
               </a:ext>
             </a:extLst>
           </p:cNvPr>
@@ -13093,7 +13093,7 @@
           <p:cNvPr id="77" name="TextBox 76">
             <a:extLst>
               <a:ext uri="{FF2B5EF4-FFF2-40B4-BE49-F238E27FC236}">
-                <a16:creationId xmlns:a16="http://schemas.microsoft.com/office/drawing/2014/main" id="{45505F0E-0E88-8102-A422-6AF911E94CC9}"/>
+                <a16:creationId xmlns="" xmlns:a16="http://schemas.microsoft.com/office/drawing/2014/main" id="{45505F0E-0E88-8102-A422-6AF911E94CC9}"/>
               </a:ext>
             </a:extLst>
           </p:cNvPr>
@@ -13170,7 +13170,7 @@
           <p:cNvPr id="78" name="TextBox 77">
             <a:extLst>
               <a:ext uri="{FF2B5EF4-FFF2-40B4-BE49-F238E27FC236}">
-                <a16:creationId xmlns:a16="http://schemas.microsoft.com/office/drawing/2014/main" id="{F1F984A8-53E9-B877-E8D5-45B7D37E164D}"/>
+                <a16:creationId xmlns="" xmlns:a16="http://schemas.microsoft.com/office/drawing/2014/main" id="{F1F984A8-53E9-B877-E8D5-45B7D37E164D}"/>
               </a:ext>
             </a:extLst>
           </p:cNvPr>
@@ -13247,7 +13247,7 @@
           <p:cNvPr id="79" name="직선 화살표 연결선 78">
             <a:extLst>
               <a:ext uri="{FF2B5EF4-FFF2-40B4-BE49-F238E27FC236}">
-                <a16:creationId xmlns:a16="http://schemas.microsoft.com/office/drawing/2014/main" id="{83825669-F53B-9651-5638-216795F5101E}"/>
+                <a16:creationId xmlns="" xmlns:a16="http://schemas.microsoft.com/office/drawing/2014/main" id="{83825669-F53B-9651-5638-216795F5101E}"/>
               </a:ext>
             </a:extLst>
           </p:cNvPr>
@@ -13284,7 +13284,7 @@
           <p:cNvPr id="80" name="TextBox 79">
             <a:extLst>
               <a:ext uri="{FF2B5EF4-FFF2-40B4-BE49-F238E27FC236}">
-                <a16:creationId xmlns:a16="http://schemas.microsoft.com/office/drawing/2014/main" id="{798268D1-0B56-C6F7-E9D2-E1EEB4E22117}"/>
+                <a16:creationId xmlns="" xmlns:a16="http://schemas.microsoft.com/office/drawing/2014/main" id="{798268D1-0B56-C6F7-E9D2-E1EEB4E22117}"/>
               </a:ext>
             </a:extLst>
           </p:cNvPr>
@@ -13361,7 +13361,7 @@
           <p:cNvPr id="81" name="직선 화살표 연결선 80">
             <a:extLst>
               <a:ext uri="{FF2B5EF4-FFF2-40B4-BE49-F238E27FC236}">
-                <a16:creationId xmlns:a16="http://schemas.microsoft.com/office/drawing/2014/main" id="{F06E0162-9C37-DC04-9AB6-2805C59EB8DE}"/>
+                <a16:creationId xmlns="" xmlns:a16="http://schemas.microsoft.com/office/drawing/2014/main" id="{F06E0162-9C37-DC04-9AB6-2805C59EB8DE}"/>
               </a:ext>
             </a:extLst>
           </p:cNvPr>
@@ -13398,7 +13398,7 @@
           <p:cNvPr id="82" name="TextBox 81">
             <a:extLst>
               <a:ext uri="{FF2B5EF4-FFF2-40B4-BE49-F238E27FC236}">
-                <a16:creationId xmlns:a16="http://schemas.microsoft.com/office/drawing/2014/main" id="{C0F9BD4E-B01B-8BBF-9513-3042D9B357DD}"/>
+                <a16:creationId xmlns="" xmlns:a16="http://schemas.microsoft.com/office/drawing/2014/main" id="{C0F9BD4E-B01B-8BBF-9513-3042D9B357DD}"/>
               </a:ext>
             </a:extLst>
           </p:cNvPr>
@@ -13475,7 +13475,7 @@
           <p:cNvPr id="83" name="직사각형 82">
             <a:extLst>
               <a:ext uri="{FF2B5EF4-FFF2-40B4-BE49-F238E27FC236}">
-                <a16:creationId xmlns:a16="http://schemas.microsoft.com/office/drawing/2014/main" id="{089C2B81-B50C-65D4-DFDC-D07B012783CA}"/>
+                <a16:creationId xmlns="" xmlns:a16="http://schemas.microsoft.com/office/drawing/2014/main" id="{089C2B81-B50C-65D4-DFDC-D07B012783CA}"/>
               </a:ext>
             </a:extLst>
           </p:cNvPr>
@@ -13545,7 +13545,7 @@
           <p:cNvPr id="84" name="직사각형 83">
             <a:extLst>
               <a:ext uri="{FF2B5EF4-FFF2-40B4-BE49-F238E27FC236}">
-                <a16:creationId xmlns:a16="http://schemas.microsoft.com/office/drawing/2014/main" id="{0377628F-BD26-A765-61D0-E35C7486744A}"/>
+                <a16:creationId xmlns="" xmlns:a16="http://schemas.microsoft.com/office/drawing/2014/main" id="{0377628F-BD26-A765-61D0-E35C7486744A}"/>
               </a:ext>
             </a:extLst>
           </p:cNvPr>
@@ -13615,7 +13615,7 @@
           <p:cNvPr id="85" name="직사각형 84">
             <a:extLst>
               <a:ext uri="{FF2B5EF4-FFF2-40B4-BE49-F238E27FC236}">
-                <a16:creationId xmlns:a16="http://schemas.microsoft.com/office/drawing/2014/main" id="{90D88037-858D-563C-E346-D6B4C138426D}"/>
+                <a16:creationId xmlns="" xmlns:a16="http://schemas.microsoft.com/office/drawing/2014/main" id="{90D88037-858D-563C-E346-D6B4C138426D}"/>
               </a:ext>
             </a:extLst>
           </p:cNvPr>
@@ -13685,7 +13685,7 @@
           <p:cNvPr id="86" name="직사각형 85">
             <a:extLst>
               <a:ext uri="{FF2B5EF4-FFF2-40B4-BE49-F238E27FC236}">
-                <a16:creationId xmlns:a16="http://schemas.microsoft.com/office/drawing/2014/main" id="{6370A570-F277-6461-14E3-C6753BDB7501}"/>
+                <a16:creationId xmlns="" xmlns:a16="http://schemas.microsoft.com/office/drawing/2014/main" id="{6370A570-F277-6461-14E3-C6753BDB7501}"/>
               </a:ext>
             </a:extLst>
           </p:cNvPr>
@@ -13755,7 +13755,7 @@
           <p:cNvPr id="87" name="직사각형 86">
             <a:extLst>
               <a:ext uri="{FF2B5EF4-FFF2-40B4-BE49-F238E27FC236}">
-                <a16:creationId xmlns:a16="http://schemas.microsoft.com/office/drawing/2014/main" id="{8584275A-9E2E-71AE-82B1-2F141AA26DF4}"/>
+                <a16:creationId xmlns="" xmlns:a16="http://schemas.microsoft.com/office/drawing/2014/main" id="{8584275A-9E2E-71AE-82B1-2F141AA26DF4}"/>
               </a:ext>
             </a:extLst>
           </p:cNvPr>
@@ -13825,7 +13825,7 @@
           <p:cNvPr id="88" name="직사각형 87">
             <a:extLst>
               <a:ext uri="{FF2B5EF4-FFF2-40B4-BE49-F238E27FC236}">
-                <a16:creationId xmlns:a16="http://schemas.microsoft.com/office/drawing/2014/main" id="{3E457FE4-D184-3AE9-FD79-90BEA0B87E91}"/>
+                <a16:creationId xmlns="" xmlns:a16="http://schemas.microsoft.com/office/drawing/2014/main" id="{3E457FE4-D184-3AE9-FD79-90BEA0B87E91}"/>
               </a:ext>
             </a:extLst>
           </p:cNvPr>
@@ -13895,7 +13895,7 @@
           <p:cNvPr id="89" name="직선 화살표 연결선 88">
             <a:extLst>
               <a:ext uri="{FF2B5EF4-FFF2-40B4-BE49-F238E27FC236}">
-                <a16:creationId xmlns:a16="http://schemas.microsoft.com/office/drawing/2014/main" id="{3C25D7E5-D25E-93FF-9315-DE421E1DF65B}"/>
+                <a16:creationId xmlns="" xmlns:a16="http://schemas.microsoft.com/office/drawing/2014/main" id="{3C25D7E5-D25E-93FF-9315-DE421E1DF65B}"/>
               </a:ext>
             </a:extLst>
           </p:cNvPr>
@@ -13932,7 +13932,7 @@
           <p:cNvPr id="90" name="TextBox 89">
             <a:extLst>
               <a:ext uri="{FF2B5EF4-FFF2-40B4-BE49-F238E27FC236}">
-                <a16:creationId xmlns:a16="http://schemas.microsoft.com/office/drawing/2014/main" id="{85049489-3073-5A45-9C10-4A068393DAAE}"/>
+                <a16:creationId xmlns="" xmlns:a16="http://schemas.microsoft.com/office/drawing/2014/main" id="{85049489-3073-5A45-9C10-4A068393DAAE}"/>
               </a:ext>
             </a:extLst>
           </p:cNvPr>
@@ -14009,7 +14009,7 @@
           <p:cNvPr id="91" name="직사각형 90">
             <a:extLst>
               <a:ext uri="{FF2B5EF4-FFF2-40B4-BE49-F238E27FC236}">
-                <a16:creationId xmlns:a16="http://schemas.microsoft.com/office/drawing/2014/main" id="{244F50A6-E84B-503F-B524-10638F03C676}"/>
+                <a16:creationId xmlns="" xmlns:a16="http://schemas.microsoft.com/office/drawing/2014/main" id="{244F50A6-E84B-503F-B524-10638F03C676}"/>
               </a:ext>
             </a:extLst>
           </p:cNvPr>
@@ -14081,7 +14081,7 @@
           <p:cNvPr id="92" name="직사각형 91">
             <a:extLst>
               <a:ext uri="{FF2B5EF4-FFF2-40B4-BE49-F238E27FC236}">
-                <a16:creationId xmlns:a16="http://schemas.microsoft.com/office/drawing/2014/main" id="{70E78D77-8D60-2380-3748-F44B5DF8ABEA}"/>
+                <a16:creationId xmlns="" xmlns:a16="http://schemas.microsoft.com/office/drawing/2014/main" id="{70E78D77-8D60-2380-3748-F44B5DF8ABEA}"/>
               </a:ext>
             </a:extLst>
           </p:cNvPr>
@@ -14153,7 +14153,7 @@
           <p:cNvPr id="93" name="직사각형 92">
             <a:extLst>
               <a:ext uri="{FF2B5EF4-FFF2-40B4-BE49-F238E27FC236}">
-                <a16:creationId xmlns:a16="http://schemas.microsoft.com/office/drawing/2014/main" id="{D4510BC2-2029-7E2C-B42D-A30C5F845F47}"/>
+                <a16:creationId xmlns="" xmlns:a16="http://schemas.microsoft.com/office/drawing/2014/main" id="{D4510BC2-2029-7E2C-B42D-A30C5F845F47}"/>
               </a:ext>
             </a:extLst>
           </p:cNvPr>
@@ -14221,7 +14221,7 @@
           <p:cNvPr id="94" name="직사각형 93">
             <a:extLst>
               <a:ext uri="{FF2B5EF4-FFF2-40B4-BE49-F238E27FC236}">
-                <a16:creationId xmlns:a16="http://schemas.microsoft.com/office/drawing/2014/main" id="{C42F3999-3FC6-F61A-2776-E3CAD3063D7D}"/>
+                <a16:creationId xmlns="" xmlns:a16="http://schemas.microsoft.com/office/drawing/2014/main" id="{C42F3999-3FC6-F61A-2776-E3CAD3063D7D}"/>
               </a:ext>
             </a:extLst>
           </p:cNvPr>
@@ -14289,7 +14289,7 @@
           <p:cNvPr id="95" name="직선 연결선 94">
             <a:extLst>
               <a:ext uri="{FF2B5EF4-FFF2-40B4-BE49-F238E27FC236}">
-                <a16:creationId xmlns:a16="http://schemas.microsoft.com/office/drawing/2014/main" id="{3025496C-B7BD-BA1E-FAD6-B396DBF9B92E}"/>
+                <a16:creationId xmlns="" xmlns:a16="http://schemas.microsoft.com/office/drawing/2014/main" id="{3025496C-B7BD-BA1E-FAD6-B396DBF9B92E}"/>
               </a:ext>
             </a:extLst>
           </p:cNvPr>
@@ -14322,7 +14322,7 @@
           <p:cNvPr id="96" name="직선 연결선 95">
             <a:extLst>
               <a:ext uri="{FF2B5EF4-FFF2-40B4-BE49-F238E27FC236}">
-                <a16:creationId xmlns:a16="http://schemas.microsoft.com/office/drawing/2014/main" id="{013D4777-B7FF-95FC-8997-57C9712D9316}"/>
+                <a16:creationId xmlns="" xmlns:a16="http://schemas.microsoft.com/office/drawing/2014/main" id="{013D4777-B7FF-95FC-8997-57C9712D9316}"/>
               </a:ext>
             </a:extLst>
           </p:cNvPr>
@@ -14356,7 +14356,7 @@
           <p:cNvPr id="97" name="직선 연결선 96">
             <a:extLst>
               <a:ext uri="{FF2B5EF4-FFF2-40B4-BE49-F238E27FC236}">
-                <a16:creationId xmlns:a16="http://schemas.microsoft.com/office/drawing/2014/main" id="{991A07BA-4E78-74DD-D938-D9CFE426C12A}"/>
+                <a16:creationId xmlns="" xmlns:a16="http://schemas.microsoft.com/office/drawing/2014/main" id="{991A07BA-4E78-74DD-D938-D9CFE426C12A}"/>
               </a:ext>
             </a:extLst>
           </p:cNvPr>
@@ -14389,7 +14389,7 @@
           <p:cNvPr id="98" name="직선 연결선 97">
             <a:extLst>
               <a:ext uri="{FF2B5EF4-FFF2-40B4-BE49-F238E27FC236}">
-                <a16:creationId xmlns:a16="http://schemas.microsoft.com/office/drawing/2014/main" id="{6190F153-3E33-276A-3B28-F4918ABADB2E}"/>
+                <a16:creationId xmlns="" xmlns:a16="http://schemas.microsoft.com/office/drawing/2014/main" id="{6190F153-3E33-276A-3B28-F4918ABADB2E}"/>
               </a:ext>
             </a:extLst>
           </p:cNvPr>
@@ -14422,7 +14422,7 @@
           <p:cNvPr id="99" name="직선 연결선 98">
             <a:extLst>
               <a:ext uri="{FF2B5EF4-FFF2-40B4-BE49-F238E27FC236}">
-                <a16:creationId xmlns:a16="http://schemas.microsoft.com/office/drawing/2014/main" id="{AFD1CA3D-BC6A-9D2C-0CF3-E90802D54B91}"/>
+                <a16:creationId xmlns="" xmlns:a16="http://schemas.microsoft.com/office/drawing/2014/main" id="{AFD1CA3D-BC6A-9D2C-0CF3-E90802D54B91}"/>
               </a:ext>
             </a:extLst>
           </p:cNvPr>
@@ -14455,7 +14455,7 @@
           <p:cNvPr id="100" name="직선 연결선 99">
             <a:extLst>
               <a:ext uri="{FF2B5EF4-FFF2-40B4-BE49-F238E27FC236}">
-                <a16:creationId xmlns:a16="http://schemas.microsoft.com/office/drawing/2014/main" id="{C7C2E866-B50F-5477-5536-FA70C86817B4}"/>
+                <a16:creationId xmlns="" xmlns:a16="http://schemas.microsoft.com/office/drawing/2014/main" id="{C7C2E866-B50F-5477-5536-FA70C86817B4}"/>
               </a:ext>
             </a:extLst>
           </p:cNvPr>
@@ -14488,7 +14488,7 @@
           <p:cNvPr id="101" name="직선 연결선 100">
             <a:extLst>
               <a:ext uri="{FF2B5EF4-FFF2-40B4-BE49-F238E27FC236}">
-                <a16:creationId xmlns:a16="http://schemas.microsoft.com/office/drawing/2014/main" id="{53CDF25D-9753-68F1-ADDB-B34B665E6290}"/>
+                <a16:creationId xmlns="" xmlns:a16="http://schemas.microsoft.com/office/drawing/2014/main" id="{53CDF25D-9753-68F1-ADDB-B34B665E6290}"/>
               </a:ext>
             </a:extLst>
           </p:cNvPr>
@@ -14521,7 +14521,7 @@
           <p:cNvPr id="102" name="직선 연결선 101">
             <a:extLst>
               <a:ext uri="{FF2B5EF4-FFF2-40B4-BE49-F238E27FC236}">
-                <a16:creationId xmlns:a16="http://schemas.microsoft.com/office/drawing/2014/main" id="{291D153E-58A8-9633-F8DE-0776D3487231}"/>
+                <a16:creationId xmlns="" xmlns:a16="http://schemas.microsoft.com/office/drawing/2014/main" id="{291D153E-58A8-9633-F8DE-0776D3487231}"/>
               </a:ext>
             </a:extLst>
           </p:cNvPr>
@@ -14554,7 +14554,7 @@
           <p:cNvPr id="103" name="직선 연결선 102">
             <a:extLst>
               <a:ext uri="{FF2B5EF4-FFF2-40B4-BE49-F238E27FC236}">
-                <a16:creationId xmlns:a16="http://schemas.microsoft.com/office/drawing/2014/main" id="{8C6C45D7-D6BD-3B0C-37B5-E83E0DCE8F58}"/>
+                <a16:creationId xmlns="" xmlns:a16="http://schemas.microsoft.com/office/drawing/2014/main" id="{8C6C45D7-D6BD-3B0C-37B5-E83E0DCE8F58}"/>
               </a:ext>
             </a:extLst>
           </p:cNvPr>
@@ -14587,7 +14587,7 @@
           <p:cNvPr id="104" name="TextBox 103">
             <a:extLst>
               <a:ext uri="{FF2B5EF4-FFF2-40B4-BE49-F238E27FC236}">
-                <a16:creationId xmlns:a16="http://schemas.microsoft.com/office/drawing/2014/main" id="{57593413-78E1-FC58-9A54-D3481250A117}"/>
+                <a16:creationId xmlns="" xmlns:a16="http://schemas.microsoft.com/office/drawing/2014/main" id="{57593413-78E1-FC58-9A54-D3481250A117}"/>
               </a:ext>
             </a:extLst>
           </p:cNvPr>
@@ -14649,7 +14649,7 @@
           <p:cNvPr id="105" name="TextBox 104">
             <a:extLst>
               <a:ext uri="{FF2B5EF4-FFF2-40B4-BE49-F238E27FC236}">
-                <a16:creationId xmlns:a16="http://schemas.microsoft.com/office/drawing/2014/main" id="{B633D676-3775-7DA9-7144-B8DBDB1D6B21}"/>
+                <a16:creationId xmlns="" xmlns:a16="http://schemas.microsoft.com/office/drawing/2014/main" id="{B633D676-3775-7DA9-7144-B8DBDB1D6B21}"/>
               </a:ext>
             </a:extLst>
           </p:cNvPr>
@@ -14711,7 +14711,7 @@
           <p:cNvPr id="106" name="TextBox 105">
             <a:extLst>
               <a:ext uri="{FF2B5EF4-FFF2-40B4-BE49-F238E27FC236}">
-                <a16:creationId xmlns:a16="http://schemas.microsoft.com/office/drawing/2014/main" id="{BCE98AA7-A22B-E6C5-8E96-35BCADF168D7}"/>
+                <a16:creationId xmlns="" xmlns:a16="http://schemas.microsoft.com/office/drawing/2014/main" id="{BCE98AA7-A22B-E6C5-8E96-35BCADF168D7}"/>
               </a:ext>
             </a:extLst>
           </p:cNvPr>
@@ -14784,7 +14784,7 @@
           <p:cNvPr id="107" name="직선 화살표 연결선 106">
             <a:extLst>
               <a:ext uri="{FF2B5EF4-FFF2-40B4-BE49-F238E27FC236}">
-                <a16:creationId xmlns:a16="http://schemas.microsoft.com/office/drawing/2014/main" id="{EFEBCA0D-3588-49D9-51DC-3B4DA51C9806}"/>
+                <a16:creationId xmlns="" xmlns:a16="http://schemas.microsoft.com/office/drawing/2014/main" id="{EFEBCA0D-3588-49D9-51DC-3B4DA51C9806}"/>
               </a:ext>
             </a:extLst>
           </p:cNvPr>
@@ -14816,7 +14816,7 @@
           <p:cNvPr id="108" name="직선 화살표 연결선 107">
             <a:extLst>
               <a:ext uri="{FF2B5EF4-FFF2-40B4-BE49-F238E27FC236}">
-                <a16:creationId xmlns:a16="http://schemas.microsoft.com/office/drawing/2014/main" id="{92DC44F2-6342-3D11-3308-2AEE90B15494}"/>
+                <a16:creationId xmlns="" xmlns:a16="http://schemas.microsoft.com/office/drawing/2014/main" id="{92DC44F2-6342-3D11-3308-2AEE90B15494}"/>
               </a:ext>
             </a:extLst>
           </p:cNvPr>
@@ -14850,7 +14850,7 @@
           <p:cNvPr id="109" name="직선 화살표 연결선 108">
             <a:extLst>
               <a:ext uri="{FF2B5EF4-FFF2-40B4-BE49-F238E27FC236}">
-                <a16:creationId xmlns:a16="http://schemas.microsoft.com/office/drawing/2014/main" id="{695A4D5F-AC3E-7C85-3A34-0BC43A4D56CE}"/>
+                <a16:creationId xmlns="" xmlns:a16="http://schemas.microsoft.com/office/drawing/2014/main" id="{695A4D5F-AC3E-7C85-3A34-0BC43A4D56CE}"/>
               </a:ext>
             </a:extLst>
           </p:cNvPr>
@@ -14884,7 +14884,7 @@
           <p:cNvPr id="110" name="TextBox 109">
             <a:extLst>
               <a:ext uri="{FF2B5EF4-FFF2-40B4-BE49-F238E27FC236}">
-                <a16:creationId xmlns:a16="http://schemas.microsoft.com/office/drawing/2014/main" id="{DFB6FA86-D5BA-5242-E0A6-F0A59826C8E8}"/>
+                <a16:creationId xmlns="" xmlns:a16="http://schemas.microsoft.com/office/drawing/2014/main" id="{DFB6FA86-D5BA-5242-E0A6-F0A59826C8E8}"/>
               </a:ext>
             </a:extLst>
           </p:cNvPr>
@@ -14957,7 +14957,7 @@
           <p:cNvPr id="111" name="TextBox 110">
             <a:extLst>
               <a:ext uri="{FF2B5EF4-FFF2-40B4-BE49-F238E27FC236}">
-                <a16:creationId xmlns:a16="http://schemas.microsoft.com/office/drawing/2014/main" id="{8B97B59E-0394-DDF5-2288-165CCA407DFD}"/>
+                <a16:creationId xmlns="" xmlns:a16="http://schemas.microsoft.com/office/drawing/2014/main" id="{8B97B59E-0394-DDF5-2288-165CCA407DFD}"/>
               </a:ext>
             </a:extLst>
           </p:cNvPr>
@@ -15030,7 +15030,7 @@
           <p:cNvPr id="112" name="TextBox 111">
             <a:extLst>
               <a:ext uri="{FF2B5EF4-FFF2-40B4-BE49-F238E27FC236}">
-                <a16:creationId xmlns:a16="http://schemas.microsoft.com/office/drawing/2014/main" id="{3DF4968A-4928-3B58-8E35-874EE4949E55}"/>
+                <a16:creationId xmlns="" xmlns:a16="http://schemas.microsoft.com/office/drawing/2014/main" id="{3DF4968A-4928-3B58-8E35-874EE4949E55}"/>
               </a:ext>
             </a:extLst>
           </p:cNvPr>
@@ -15103,7 +15103,7 @@
           <p:cNvPr id="113" name="직선 연결선 112">
             <a:extLst>
               <a:ext uri="{FF2B5EF4-FFF2-40B4-BE49-F238E27FC236}">
-                <a16:creationId xmlns:a16="http://schemas.microsoft.com/office/drawing/2014/main" id="{E1F481DD-01C3-6370-E4B5-601576E1B3B3}"/>
+                <a16:creationId xmlns="" xmlns:a16="http://schemas.microsoft.com/office/drawing/2014/main" id="{E1F481DD-01C3-6370-E4B5-601576E1B3B3}"/>
               </a:ext>
             </a:extLst>
           </p:cNvPr>
@@ -15136,7 +15136,7 @@
           <p:cNvPr id="114" name="직선 연결선 113">
             <a:extLst>
               <a:ext uri="{FF2B5EF4-FFF2-40B4-BE49-F238E27FC236}">
-                <a16:creationId xmlns:a16="http://schemas.microsoft.com/office/drawing/2014/main" id="{C40A8404-005A-4873-C4B2-EDF7FF0492BC}"/>
+                <a16:creationId xmlns="" xmlns:a16="http://schemas.microsoft.com/office/drawing/2014/main" id="{C40A8404-005A-4873-C4B2-EDF7FF0492BC}"/>
               </a:ext>
             </a:extLst>
           </p:cNvPr>
@@ -15169,7 +15169,7 @@
           <p:cNvPr id="115" name="직선 연결선 114">
             <a:extLst>
               <a:ext uri="{FF2B5EF4-FFF2-40B4-BE49-F238E27FC236}">
-                <a16:creationId xmlns:a16="http://schemas.microsoft.com/office/drawing/2014/main" id="{3AD54DF6-D11D-3238-FA32-CCB7A69F4B74}"/>
+                <a16:creationId xmlns="" xmlns:a16="http://schemas.microsoft.com/office/drawing/2014/main" id="{3AD54DF6-D11D-3238-FA32-CCB7A69F4B74}"/>
               </a:ext>
             </a:extLst>
           </p:cNvPr>
@@ -15202,7 +15202,7 @@
           <p:cNvPr id="116" name="직선 연결선 115">
             <a:extLst>
               <a:ext uri="{FF2B5EF4-FFF2-40B4-BE49-F238E27FC236}">
-                <a16:creationId xmlns:a16="http://schemas.microsoft.com/office/drawing/2014/main" id="{18276253-A974-AE39-D80D-FED60DDF36E7}"/>
+                <a16:creationId xmlns="" xmlns:a16="http://schemas.microsoft.com/office/drawing/2014/main" id="{18276253-A974-AE39-D80D-FED60DDF36E7}"/>
               </a:ext>
             </a:extLst>
           </p:cNvPr>
@@ -15235,7 +15235,7 @@
           <p:cNvPr id="117" name="직선 연결선 116">
             <a:extLst>
               <a:ext uri="{FF2B5EF4-FFF2-40B4-BE49-F238E27FC236}">
-                <a16:creationId xmlns:a16="http://schemas.microsoft.com/office/drawing/2014/main" id="{40EF878B-0C8A-547E-27D4-E41AC1756FC4}"/>
+                <a16:creationId xmlns="" xmlns:a16="http://schemas.microsoft.com/office/drawing/2014/main" id="{40EF878B-0C8A-547E-27D4-E41AC1756FC4}"/>
               </a:ext>
             </a:extLst>
           </p:cNvPr>
@@ -15268,7 +15268,7 @@
           <p:cNvPr id="118" name="직선 연결선 117">
             <a:extLst>
               <a:ext uri="{FF2B5EF4-FFF2-40B4-BE49-F238E27FC236}">
-                <a16:creationId xmlns:a16="http://schemas.microsoft.com/office/drawing/2014/main" id="{324AE963-0799-4AEF-D4CF-086855CFDA92}"/>
+                <a16:creationId xmlns="" xmlns:a16="http://schemas.microsoft.com/office/drawing/2014/main" id="{324AE963-0799-4AEF-D4CF-086855CFDA92}"/>
               </a:ext>
             </a:extLst>
           </p:cNvPr>
@@ -15301,7 +15301,7 @@
           <p:cNvPr id="119" name="직선 연결선 118">
             <a:extLst>
               <a:ext uri="{FF2B5EF4-FFF2-40B4-BE49-F238E27FC236}">
-                <a16:creationId xmlns:a16="http://schemas.microsoft.com/office/drawing/2014/main" id="{DA912287-79BE-78A8-7F12-3763533CFF3B}"/>
+                <a16:creationId xmlns="" xmlns:a16="http://schemas.microsoft.com/office/drawing/2014/main" id="{DA912287-79BE-78A8-7F12-3763533CFF3B}"/>
               </a:ext>
             </a:extLst>
           </p:cNvPr>
@@ -15334,7 +15334,7 @@
           <p:cNvPr id="120" name="직선 화살표 연결선 119">
             <a:extLst>
               <a:ext uri="{FF2B5EF4-FFF2-40B4-BE49-F238E27FC236}">
-                <a16:creationId xmlns:a16="http://schemas.microsoft.com/office/drawing/2014/main" id="{275B70E0-AD01-4B29-A653-8D4976F28F04}"/>
+                <a16:creationId xmlns="" xmlns:a16="http://schemas.microsoft.com/office/drawing/2014/main" id="{275B70E0-AD01-4B29-A653-8D4976F28F04}"/>
               </a:ext>
             </a:extLst>
           </p:cNvPr>
@@ -15369,7 +15369,7 @@
           <p:cNvPr id="121" name="직선 화살표 연결선 120">
             <a:extLst>
               <a:ext uri="{FF2B5EF4-FFF2-40B4-BE49-F238E27FC236}">
-                <a16:creationId xmlns:a16="http://schemas.microsoft.com/office/drawing/2014/main" id="{A1076412-BF55-83AA-DFBE-31B465415D87}"/>
+                <a16:creationId xmlns="" xmlns:a16="http://schemas.microsoft.com/office/drawing/2014/main" id="{A1076412-BF55-83AA-DFBE-31B465415D87}"/>
               </a:ext>
             </a:extLst>
           </p:cNvPr>
@@ -15404,7 +15404,7 @@
           <p:cNvPr id="122" name="직선 화살표 연결선 121">
             <a:extLst>
               <a:ext uri="{FF2B5EF4-FFF2-40B4-BE49-F238E27FC236}">
-                <a16:creationId xmlns:a16="http://schemas.microsoft.com/office/drawing/2014/main" id="{8FFDEEF5-0BFA-D74D-369A-5686780098A9}"/>
+                <a16:creationId xmlns="" xmlns:a16="http://schemas.microsoft.com/office/drawing/2014/main" id="{8FFDEEF5-0BFA-D74D-369A-5686780098A9}"/>
               </a:ext>
             </a:extLst>
           </p:cNvPr>
@@ -15439,7 +15439,7 @@
           <p:cNvPr id="123" name="직선 화살표 연결선 122">
             <a:extLst>
               <a:ext uri="{FF2B5EF4-FFF2-40B4-BE49-F238E27FC236}">
-                <a16:creationId xmlns:a16="http://schemas.microsoft.com/office/drawing/2014/main" id="{3A392F6E-DBC7-C431-30D8-493B71941BBB}"/>
+                <a16:creationId xmlns="" xmlns:a16="http://schemas.microsoft.com/office/drawing/2014/main" id="{3A392F6E-DBC7-C431-30D8-493B71941BBB}"/>
               </a:ext>
             </a:extLst>
           </p:cNvPr>
@@ -15474,7 +15474,7 @@
           <p:cNvPr id="124" name="직선 화살표 연결선 123">
             <a:extLst>
               <a:ext uri="{FF2B5EF4-FFF2-40B4-BE49-F238E27FC236}">
-                <a16:creationId xmlns:a16="http://schemas.microsoft.com/office/drawing/2014/main" id="{5D264DDB-4475-08D8-AF55-FAEB127F4D8E}"/>
+                <a16:creationId xmlns="" xmlns:a16="http://schemas.microsoft.com/office/drawing/2014/main" id="{5D264DDB-4475-08D8-AF55-FAEB127F4D8E}"/>
               </a:ext>
             </a:extLst>
           </p:cNvPr>
@@ -15509,7 +15509,7 @@
           <p:cNvPr id="125" name="직선 연결선 124">
             <a:extLst>
               <a:ext uri="{FF2B5EF4-FFF2-40B4-BE49-F238E27FC236}">
-                <a16:creationId xmlns:a16="http://schemas.microsoft.com/office/drawing/2014/main" id="{74FF30EC-6BAD-4A07-D4F0-E7A7C5580168}"/>
+                <a16:creationId xmlns="" xmlns:a16="http://schemas.microsoft.com/office/drawing/2014/main" id="{74FF30EC-6BAD-4A07-D4F0-E7A7C5580168}"/>
               </a:ext>
             </a:extLst>
           </p:cNvPr>
@@ -15542,7 +15542,7 @@
           <p:cNvPr id="126" name="직선 연결선 125">
             <a:extLst>
               <a:ext uri="{FF2B5EF4-FFF2-40B4-BE49-F238E27FC236}">
-                <a16:creationId xmlns:a16="http://schemas.microsoft.com/office/drawing/2014/main" id="{E3446A2A-41B1-E8C1-EEF6-327ADB181250}"/>
+                <a16:creationId xmlns="" xmlns:a16="http://schemas.microsoft.com/office/drawing/2014/main" id="{E3446A2A-41B1-E8C1-EEF6-327ADB181250}"/>
               </a:ext>
             </a:extLst>
           </p:cNvPr>
@@ -15575,7 +15575,7 @@
           <p:cNvPr id="127" name="TextBox 126">
             <a:extLst>
               <a:ext uri="{FF2B5EF4-FFF2-40B4-BE49-F238E27FC236}">
-                <a16:creationId xmlns:a16="http://schemas.microsoft.com/office/drawing/2014/main" id="{C56A89FA-8838-1C7E-6377-DD12693D2A17}"/>
+                <a16:creationId xmlns="" xmlns:a16="http://schemas.microsoft.com/office/drawing/2014/main" id="{C56A89FA-8838-1C7E-6377-DD12693D2A17}"/>
               </a:ext>
             </a:extLst>
           </p:cNvPr>
@@ -15652,7 +15652,7 @@
           <p:cNvPr id="128" name="TextBox 127">
             <a:extLst>
               <a:ext uri="{FF2B5EF4-FFF2-40B4-BE49-F238E27FC236}">
-                <a16:creationId xmlns:a16="http://schemas.microsoft.com/office/drawing/2014/main" id="{CF977820-05D3-6142-E302-1150B22DD01A}"/>
+                <a16:creationId xmlns="" xmlns:a16="http://schemas.microsoft.com/office/drawing/2014/main" id="{CF977820-05D3-6142-E302-1150B22DD01A}"/>
               </a:ext>
             </a:extLst>
           </p:cNvPr>
@@ -15725,7 +15725,7 @@
           <p:cNvPr id="129" name="TextBox 128">
             <a:extLst>
               <a:ext uri="{FF2B5EF4-FFF2-40B4-BE49-F238E27FC236}">
-                <a16:creationId xmlns:a16="http://schemas.microsoft.com/office/drawing/2014/main" id="{E76CEB88-445A-4BA4-CDEB-46DFD97EE300}"/>
+                <a16:creationId xmlns="" xmlns:a16="http://schemas.microsoft.com/office/drawing/2014/main" id="{E76CEB88-445A-4BA4-CDEB-46DFD97EE300}"/>
               </a:ext>
             </a:extLst>
           </p:cNvPr>
@@ -15798,7 +15798,7 @@
           <p:cNvPr id="130" name="TextBox 129">
             <a:extLst>
               <a:ext uri="{FF2B5EF4-FFF2-40B4-BE49-F238E27FC236}">
-                <a16:creationId xmlns:a16="http://schemas.microsoft.com/office/drawing/2014/main" id="{821540CB-89BF-A437-6FED-EC97D8C5C0AD}"/>
+                <a16:creationId xmlns="" xmlns:a16="http://schemas.microsoft.com/office/drawing/2014/main" id="{821540CB-89BF-A437-6FED-EC97D8C5C0AD}"/>
               </a:ext>
             </a:extLst>
           </p:cNvPr>
@@ -15871,7 +15871,7 @@
           <p:cNvPr id="131" name="TextBox 130">
             <a:extLst>
               <a:ext uri="{FF2B5EF4-FFF2-40B4-BE49-F238E27FC236}">
-                <a16:creationId xmlns:a16="http://schemas.microsoft.com/office/drawing/2014/main" id="{930A1C72-9F1E-6117-02F9-0A022819CCDC}"/>
+                <a16:creationId xmlns="" xmlns:a16="http://schemas.microsoft.com/office/drawing/2014/main" id="{930A1C72-9F1E-6117-02F9-0A022819CCDC}"/>
               </a:ext>
             </a:extLst>
           </p:cNvPr>
@@ -15944,7 +15944,7 @@
           <p:cNvPr id="132" name="그룹 131">
             <a:extLst>
               <a:ext uri="{FF2B5EF4-FFF2-40B4-BE49-F238E27FC236}">
-                <a16:creationId xmlns:a16="http://schemas.microsoft.com/office/drawing/2014/main" id="{AE60C337-8AE2-C686-F4DC-A9C632E0C624}"/>
+                <a16:creationId xmlns="" xmlns:a16="http://schemas.microsoft.com/office/drawing/2014/main" id="{AE60C337-8AE2-C686-F4DC-A9C632E0C624}"/>
               </a:ext>
             </a:extLst>
           </p:cNvPr>
@@ -15964,7 +15964,7 @@
             <p:cNvPr id="133" name="그룹 132">
               <a:extLst>
                 <a:ext uri="{FF2B5EF4-FFF2-40B4-BE49-F238E27FC236}">
-                  <a16:creationId xmlns:a16="http://schemas.microsoft.com/office/drawing/2014/main" id="{DCA81135-89DA-DCCA-2895-A2AF5E337D69}"/>
+                  <a16:creationId xmlns="" xmlns:a16="http://schemas.microsoft.com/office/drawing/2014/main" id="{DCA81135-89DA-DCCA-2895-A2AF5E337D69}"/>
                 </a:ext>
               </a:extLst>
             </p:cNvPr>
@@ -15984,7 +15984,7 @@
               <p:cNvPr id="135" name="직사각형 134">
                 <a:extLst>
                   <a:ext uri="{FF2B5EF4-FFF2-40B4-BE49-F238E27FC236}">
-                    <a16:creationId xmlns:a16="http://schemas.microsoft.com/office/drawing/2014/main" id="{AAF6E153-B154-B004-69B4-CA3E60E143B6}"/>
+                    <a16:creationId xmlns="" xmlns:a16="http://schemas.microsoft.com/office/drawing/2014/main" id="{AAF6E153-B154-B004-69B4-CA3E60E143B6}"/>
                   </a:ext>
                 </a:extLst>
               </p:cNvPr>
@@ -16054,7 +16054,7 @@
               <p:cNvPr id="136" name="직사각형 135">
                 <a:extLst>
                   <a:ext uri="{FF2B5EF4-FFF2-40B4-BE49-F238E27FC236}">
-                    <a16:creationId xmlns:a16="http://schemas.microsoft.com/office/drawing/2014/main" id="{0E12BDAC-502D-1198-3408-363FB402B949}"/>
+                    <a16:creationId xmlns="" xmlns:a16="http://schemas.microsoft.com/office/drawing/2014/main" id="{0E12BDAC-502D-1198-3408-363FB402B949}"/>
                   </a:ext>
                 </a:extLst>
               </p:cNvPr>
@@ -16124,7 +16124,7 @@
               <p:cNvPr id="137" name="그룹 136">
                 <a:extLst>
                   <a:ext uri="{FF2B5EF4-FFF2-40B4-BE49-F238E27FC236}">
-                    <a16:creationId xmlns:a16="http://schemas.microsoft.com/office/drawing/2014/main" id="{C581E4BB-76BF-0ED9-E603-467C06DB2F6A}"/>
+                    <a16:creationId xmlns="" xmlns:a16="http://schemas.microsoft.com/office/drawing/2014/main" id="{C581E4BB-76BF-0ED9-E603-467C06DB2F6A}"/>
                   </a:ext>
                 </a:extLst>
               </p:cNvPr>
@@ -16144,7 +16144,7 @@
                 <p:cNvPr id="138" name="직선 연결선 137">
                   <a:extLst>
                     <a:ext uri="{FF2B5EF4-FFF2-40B4-BE49-F238E27FC236}">
-                      <a16:creationId xmlns:a16="http://schemas.microsoft.com/office/drawing/2014/main" id="{45CFBEC8-CB5A-9FE5-9A9A-EFC7A9FFF12E}"/>
+                      <a16:creationId xmlns="" xmlns:a16="http://schemas.microsoft.com/office/drawing/2014/main" id="{45CFBEC8-CB5A-9FE5-9A9A-EFC7A9FFF12E}"/>
                     </a:ext>
                   </a:extLst>
                 </p:cNvPr>
@@ -16179,7 +16179,7 @@
                 <p:cNvPr id="139" name="직선 연결선 138">
                   <a:extLst>
                     <a:ext uri="{FF2B5EF4-FFF2-40B4-BE49-F238E27FC236}">
-                      <a16:creationId xmlns:a16="http://schemas.microsoft.com/office/drawing/2014/main" id="{3BF94746-A9C7-CCC9-02B3-F6EECCCA922C}"/>
+                      <a16:creationId xmlns="" xmlns:a16="http://schemas.microsoft.com/office/drawing/2014/main" id="{3BF94746-A9C7-CCC9-02B3-F6EECCCA922C}"/>
                     </a:ext>
                   </a:extLst>
                 </p:cNvPr>
@@ -16214,7 +16214,7 @@
                 <p:cNvPr id="140" name="직선 연결선 139">
                   <a:extLst>
                     <a:ext uri="{FF2B5EF4-FFF2-40B4-BE49-F238E27FC236}">
-                      <a16:creationId xmlns:a16="http://schemas.microsoft.com/office/drawing/2014/main" id="{CCDB9719-6362-1764-2D5A-E3E459C924C8}"/>
+                      <a16:creationId xmlns="" xmlns:a16="http://schemas.microsoft.com/office/drawing/2014/main" id="{CCDB9719-6362-1764-2D5A-E3E459C924C8}"/>
                     </a:ext>
                   </a:extLst>
                 </p:cNvPr>
@@ -16251,7 +16251,7 @@
             <p:cNvPr id="134" name="TextBox 133">
               <a:extLst>
                 <a:ext uri="{FF2B5EF4-FFF2-40B4-BE49-F238E27FC236}">
-                  <a16:creationId xmlns:a16="http://schemas.microsoft.com/office/drawing/2014/main" id="{8149EEF0-699D-EAEC-5891-E4DBEAE9041D}"/>
+                  <a16:creationId xmlns="" xmlns:a16="http://schemas.microsoft.com/office/drawing/2014/main" id="{8149EEF0-699D-EAEC-5891-E4DBEAE9041D}"/>
                 </a:ext>
               </a:extLst>
             </p:cNvPr>
@@ -16564,35 +16564,35 @@
                 <a:gridCol w="980821">
                   <a:extLst>
                     <a:ext uri="{9D8B030D-6E8A-4147-A177-3AD203B41FA5}">
-                      <a16:colId xmlns:a16="http://schemas.microsoft.com/office/drawing/2014/main" val="20000"/>
+                      <a16:colId xmlns="" xmlns:a16="http://schemas.microsoft.com/office/drawing/2014/main" val="20000"/>
                     </a:ext>
                   </a:extLst>
                 </a:gridCol>
                 <a:gridCol w="944880">
                   <a:extLst>
                     <a:ext uri="{9D8B030D-6E8A-4147-A177-3AD203B41FA5}">
-                      <a16:colId xmlns:a16="http://schemas.microsoft.com/office/drawing/2014/main" val="20001"/>
+                      <a16:colId xmlns="" xmlns:a16="http://schemas.microsoft.com/office/drawing/2014/main" val="20001"/>
                     </a:ext>
                   </a:extLst>
                 </a:gridCol>
                 <a:gridCol w="944880">
                   <a:extLst>
                     <a:ext uri="{9D8B030D-6E8A-4147-A177-3AD203B41FA5}">
-                      <a16:colId xmlns:a16="http://schemas.microsoft.com/office/drawing/2014/main" val="20002"/>
+                      <a16:colId xmlns="" xmlns:a16="http://schemas.microsoft.com/office/drawing/2014/main" val="20002"/>
                     </a:ext>
                   </a:extLst>
                 </a:gridCol>
                 <a:gridCol w="953643">
                   <a:extLst>
                     <a:ext uri="{9D8B030D-6E8A-4147-A177-3AD203B41FA5}">
-                      <a16:colId xmlns:a16="http://schemas.microsoft.com/office/drawing/2014/main" val="20003"/>
+                      <a16:colId xmlns="" xmlns:a16="http://schemas.microsoft.com/office/drawing/2014/main" val="20003"/>
                     </a:ext>
                   </a:extLst>
                 </a:gridCol>
                 <a:gridCol w="953643">
                   <a:extLst>
                     <a:ext uri="{9D8B030D-6E8A-4147-A177-3AD203B41FA5}">
-                      <a16:colId xmlns:a16="http://schemas.microsoft.com/office/drawing/2014/main" val="20004"/>
+                      <a16:colId xmlns="" xmlns:a16="http://schemas.microsoft.com/office/drawing/2014/main" val="20004"/>
                     </a:ext>
                   </a:extLst>
                 </a:gridCol>
@@ -17017,7 +17017,7 @@
                 </a:tc>
                 <a:extLst>
                   <a:ext uri="{0D108BD9-81ED-4DB2-BD59-A6C34878D82A}">
-                    <a16:rowId xmlns:a16="http://schemas.microsoft.com/office/drawing/2014/main" val="10000"/>
+                    <a16:rowId xmlns="" xmlns:a16="http://schemas.microsoft.com/office/drawing/2014/main" val="10000"/>
                   </a:ext>
                 </a:extLst>
               </a:tr>
@@ -17393,7 +17393,7 @@
                 </a:tc>
                 <a:extLst>
                   <a:ext uri="{0D108BD9-81ED-4DB2-BD59-A6C34878D82A}">
-                    <a16:rowId xmlns:a16="http://schemas.microsoft.com/office/drawing/2014/main" val="10001"/>
+                    <a16:rowId xmlns="" xmlns:a16="http://schemas.microsoft.com/office/drawing/2014/main" val="10001"/>
                   </a:ext>
                 </a:extLst>
               </a:tr>
@@ -17800,7 +17800,7 @@
                 </a:tc>
                 <a:extLst>
                   <a:ext uri="{0D108BD9-81ED-4DB2-BD59-A6C34878D82A}">
-                    <a16:rowId xmlns:a16="http://schemas.microsoft.com/office/drawing/2014/main" val="10002"/>
+                    <a16:rowId xmlns="" xmlns:a16="http://schemas.microsoft.com/office/drawing/2014/main" val="10002"/>
                   </a:ext>
                 </a:extLst>
               </a:tr>
@@ -18120,7 +18120,7 @@
           <p:cNvPr id="4" name="직사각형 3">
             <a:extLst>
               <a:ext uri="{FF2B5EF4-FFF2-40B4-BE49-F238E27FC236}">
-                <a16:creationId xmlns:a16="http://schemas.microsoft.com/office/drawing/2014/main" id="{ABBB49D8-20BC-42DB-EFD0-19162F2BCE52}"/>
+                <a16:creationId xmlns="" xmlns:a16="http://schemas.microsoft.com/office/drawing/2014/main" id="{ABBB49D8-20BC-42DB-EFD0-19162F2BCE52}"/>
               </a:ext>
             </a:extLst>
           </p:cNvPr>
@@ -18192,7 +18192,7 @@
           <p:cNvPr id="5" name="직사각형 4">
             <a:extLst>
               <a:ext uri="{FF2B5EF4-FFF2-40B4-BE49-F238E27FC236}">
-                <a16:creationId xmlns:a16="http://schemas.microsoft.com/office/drawing/2014/main" id="{3BB612E6-BEEC-8EB0-BD2D-29AEC5E9A185}"/>
+                <a16:creationId xmlns="" xmlns:a16="http://schemas.microsoft.com/office/drawing/2014/main" id="{3BB612E6-BEEC-8EB0-BD2D-29AEC5E9A185}"/>
               </a:ext>
             </a:extLst>
           </p:cNvPr>
@@ -18264,7 +18264,7 @@
           <p:cNvPr id="6" name="직선 연결선 5">
             <a:extLst>
               <a:ext uri="{FF2B5EF4-FFF2-40B4-BE49-F238E27FC236}">
-                <a16:creationId xmlns:a16="http://schemas.microsoft.com/office/drawing/2014/main" id="{F9C00BF9-975A-ECC0-DE84-CCE517711A98}"/>
+                <a16:creationId xmlns="" xmlns:a16="http://schemas.microsoft.com/office/drawing/2014/main" id="{F9C00BF9-975A-ECC0-DE84-CCE517711A98}"/>
               </a:ext>
             </a:extLst>
           </p:cNvPr>
@@ -18297,7 +18297,7 @@
           <p:cNvPr id="7" name="직선 연결선 6">
             <a:extLst>
               <a:ext uri="{FF2B5EF4-FFF2-40B4-BE49-F238E27FC236}">
-                <a16:creationId xmlns:a16="http://schemas.microsoft.com/office/drawing/2014/main" id="{01CF91D6-7D61-3F86-4B5B-896B01C5363E}"/>
+                <a16:creationId xmlns="" xmlns:a16="http://schemas.microsoft.com/office/drawing/2014/main" id="{01CF91D6-7D61-3F86-4B5B-896B01C5363E}"/>
               </a:ext>
             </a:extLst>
           </p:cNvPr>
@@ -18330,7 +18330,7 @@
           <p:cNvPr id="8" name="직선 연결선 7">
             <a:extLst>
               <a:ext uri="{FF2B5EF4-FFF2-40B4-BE49-F238E27FC236}">
-                <a16:creationId xmlns:a16="http://schemas.microsoft.com/office/drawing/2014/main" id="{37D7B3DD-22EA-33F3-24D3-D1B23546C45B}"/>
+                <a16:creationId xmlns="" xmlns:a16="http://schemas.microsoft.com/office/drawing/2014/main" id="{37D7B3DD-22EA-33F3-24D3-D1B23546C45B}"/>
               </a:ext>
             </a:extLst>
           </p:cNvPr>
@@ -18363,7 +18363,7 @@
           <p:cNvPr id="9" name="그룹 8">
             <a:extLst>
               <a:ext uri="{FF2B5EF4-FFF2-40B4-BE49-F238E27FC236}">
-                <a16:creationId xmlns:a16="http://schemas.microsoft.com/office/drawing/2014/main" id="{F2192FF1-594B-5F37-FCD9-ED885CA1EC0C}"/>
+                <a16:creationId xmlns="" xmlns:a16="http://schemas.microsoft.com/office/drawing/2014/main" id="{F2192FF1-594B-5F37-FCD9-ED885CA1EC0C}"/>
               </a:ext>
             </a:extLst>
           </p:cNvPr>
@@ -18383,7 +18383,7 @@
             <p:cNvPr id="10" name="그룹 9">
               <a:extLst>
                 <a:ext uri="{FF2B5EF4-FFF2-40B4-BE49-F238E27FC236}">
-                  <a16:creationId xmlns:a16="http://schemas.microsoft.com/office/drawing/2014/main" id="{DD46F79B-32E2-C8D5-1C80-35CBE3499B16}"/>
+                  <a16:creationId xmlns="" xmlns:a16="http://schemas.microsoft.com/office/drawing/2014/main" id="{DD46F79B-32E2-C8D5-1C80-35CBE3499B16}"/>
                 </a:ext>
               </a:extLst>
             </p:cNvPr>
@@ -18403,7 +18403,7 @@
               <p:cNvPr id="12" name="직사각형 11">
                 <a:extLst>
                   <a:ext uri="{FF2B5EF4-FFF2-40B4-BE49-F238E27FC236}">
-                    <a16:creationId xmlns:a16="http://schemas.microsoft.com/office/drawing/2014/main" id="{EEF2E78F-261F-328E-2FD7-652F0D0CB2CA}"/>
+                    <a16:creationId xmlns="" xmlns:a16="http://schemas.microsoft.com/office/drawing/2014/main" id="{EEF2E78F-261F-328E-2FD7-652F0D0CB2CA}"/>
                   </a:ext>
                 </a:extLst>
               </p:cNvPr>
@@ -18473,7 +18473,7 @@
               <p:cNvPr id="13" name="직사각형 12">
                 <a:extLst>
                   <a:ext uri="{FF2B5EF4-FFF2-40B4-BE49-F238E27FC236}">
-                    <a16:creationId xmlns:a16="http://schemas.microsoft.com/office/drawing/2014/main" id="{5F425616-78A7-DA7C-EA20-12E68A543EB4}"/>
+                    <a16:creationId xmlns="" xmlns:a16="http://schemas.microsoft.com/office/drawing/2014/main" id="{5F425616-78A7-DA7C-EA20-12E68A543EB4}"/>
                   </a:ext>
                 </a:extLst>
               </p:cNvPr>
@@ -18543,7 +18543,7 @@
               <p:cNvPr id="14" name="그룹 13">
                 <a:extLst>
                   <a:ext uri="{FF2B5EF4-FFF2-40B4-BE49-F238E27FC236}">
-                    <a16:creationId xmlns:a16="http://schemas.microsoft.com/office/drawing/2014/main" id="{7963AF3D-4F94-AB54-748E-FD4C6F7FEFFC}"/>
+                    <a16:creationId xmlns="" xmlns:a16="http://schemas.microsoft.com/office/drawing/2014/main" id="{7963AF3D-4F94-AB54-748E-FD4C6F7FEFFC}"/>
                   </a:ext>
                 </a:extLst>
               </p:cNvPr>
@@ -18563,7 +18563,7 @@
                 <p:cNvPr id="15" name="직선 연결선 14">
                   <a:extLst>
                     <a:ext uri="{FF2B5EF4-FFF2-40B4-BE49-F238E27FC236}">
-                      <a16:creationId xmlns:a16="http://schemas.microsoft.com/office/drawing/2014/main" id="{54571CFF-DCDE-48F7-8ADF-66FC355CCDA6}"/>
+                      <a16:creationId xmlns="" xmlns:a16="http://schemas.microsoft.com/office/drawing/2014/main" id="{54571CFF-DCDE-48F7-8ADF-66FC355CCDA6}"/>
                     </a:ext>
                   </a:extLst>
                 </p:cNvPr>
@@ -18598,7 +18598,7 @@
                 <p:cNvPr id="16" name="직선 연결선 15">
                   <a:extLst>
                     <a:ext uri="{FF2B5EF4-FFF2-40B4-BE49-F238E27FC236}">
-                      <a16:creationId xmlns:a16="http://schemas.microsoft.com/office/drawing/2014/main" id="{0BCE024B-D524-5A55-D8D4-F789BFC4B94D}"/>
+                      <a16:creationId xmlns="" xmlns:a16="http://schemas.microsoft.com/office/drawing/2014/main" id="{0BCE024B-D524-5A55-D8D4-F789BFC4B94D}"/>
                     </a:ext>
                   </a:extLst>
                 </p:cNvPr>
@@ -18633,7 +18633,7 @@
                 <p:cNvPr id="17" name="직선 연결선 16">
                   <a:extLst>
                     <a:ext uri="{FF2B5EF4-FFF2-40B4-BE49-F238E27FC236}">
-                      <a16:creationId xmlns:a16="http://schemas.microsoft.com/office/drawing/2014/main" id="{C177BB9B-39BC-96FA-2E6A-743496F7D7D9}"/>
+                      <a16:creationId xmlns="" xmlns:a16="http://schemas.microsoft.com/office/drawing/2014/main" id="{C177BB9B-39BC-96FA-2E6A-743496F7D7D9}"/>
                     </a:ext>
                   </a:extLst>
                 </p:cNvPr>
@@ -18670,7 +18670,7 @@
             <p:cNvPr id="11" name="TextBox 10">
               <a:extLst>
                 <a:ext uri="{FF2B5EF4-FFF2-40B4-BE49-F238E27FC236}">
-                  <a16:creationId xmlns:a16="http://schemas.microsoft.com/office/drawing/2014/main" id="{B7866E88-9D24-EFD3-3B0B-D0D6C441852D}"/>
+                  <a16:creationId xmlns="" xmlns:a16="http://schemas.microsoft.com/office/drawing/2014/main" id="{B7866E88-9D24-EFD3-3B0B-D0D6C441852D}"/>
                 </a:ext>
               </a:extLst>
             </p:cNvPr>
@@ -18744,7 +18744,7 @@
           <p:cNvPr id="18" name="그룹 17">
             <a:extLst>
               <a:ext uri="{FF2B5EF4-FFF2-40B4-BE49-F238E27FC236}">
-                <a16:creationId xmlns:a16="http://schemas.microsoft.com/office/drawing/2014/main" id="{7B1E27A9-DC51-080D-8292-709B9191958B}"/>
+                <a16:creationId xmlns="" xmlns:a16="http://schemas.microsoft.com/office/drawing/2014/main" id="{7B1E27A9-DC51-080D-8292-709B9191958B}"/>
               </a:ext>
             </a:extLst>
           </p:cNvPr>
@@ -18764,7 +18764,7 @@
             <p:cNvPr id="19" name="그룹 18">
               <a:extLst>
                 <a:ext uri="{FF2B5EF4-FFF2-40B4-BE49-F238E27FC236}">
-                  <a16:creationId xmlns:a16="http://schemas.microsoft.com/office/drawing/2014/main" id="{723F1BFD-DBB4-FF5B-5456-242B349085B5}"/>
+                  <a16:creationId xmlns="" xmlns:a16="http://schemas.microsoft.com/office/drawing/2014/main" id="{723F1BFD-DBB4-FF5B-5456-242B349085B5}"/>
                 </a:ext>
               </a:extLst>
             </p:cNvPr>
@@ -18784,7 +18784,7 @@
               <p:cNvPr id="21" name="직사각형 20">
                 <a:extLst>
                   <a:ext uri="{FF2B5EF4-FFF2-40B4-BE49-F238E27FC236}">
-                    <a16:creationId xmlns:a16="http://schemas.microsoft.com/office/drawing/2014/main" id="{C913439A-529A-4415-8C5C-509FF0846E25}"/>
+                    <a16:creationId xmlns="" xmlns:a16="http://schemas.microsoft.com/office/drawing/2014/main" id="{C913439A-529A-4415-8C5C-509FF0846E25}"/>
                   </a:ext>
                 </a:extLst>
               </p:cNvPr>
@@ -18854,7 +18854,7 @@
               <p:cNvPr id="22" name="직사각형 21">
                 <a:extLst>
                   <a:ext uri="{FF2B5EF4-FFF2-40B4-BE49-F238E27FC236}">
-                    <a16:creationId xmlns:a16="http://schemas.microsoft.com/office/drawing/2014/main" id="{08C7DC2C-2A04-870C-FEC3-246722570BF5}"/>
+                    <a16:creationId xmlns="" xmlns:a16="http://schemas.microsoft.com/office/drawing/2014/main" id="{08C7DC2C-2A04-870C-FEC3-246722570BF5}"/>
                   </a:ext>
                 </a:extLst>
               </p:cNvPr>
@@ -18924,7 +18924,7 @@
               <p:cNvPr id="23" name="그룹 22">
                 <a:extLst>
                   <a:ext uri="{FF2B5EF4-FFF2-40B4-BE49-F238E27FC236}">
-                    <a16:creationId xmlns:a16="http://schemas.microsoft.com/office/drawing/2014/main" id="{327A3831-84D0-81D7-1A08-3140EF0960B1}"/>
+                    <a16:creationId xmlns="" xmlns:a16="http://schemas.microsoft.com/office/drawing/2014/main" id="{327A3831-84D0-81D7-1A08-3140EF0960B1}"/>
                   </a:ext>
                 </a:extLst>
               </p:cNvPr>
@@ -18944,7 +18944,7 @@
                 <p:cNvPr id="24" name="직선 연결선 23">
                   <a:extLst>
                     <a:ext uri="{FF2B5EF4-FFF2-40B4-BE49-F238E27FC236}">
-                      <a16:creationId xmlns:a16="http://schemas.microsoft.com/office/drawing/2014/main" id="{924F6CCF-2CAD-DF7C-55DA-F16D5624B0C8}"/>
+                      <a16:creationId xmlns="" xmlns:a16="http://schemas.microsoft.com/office/drawing/2014/main" id="{924F6CCF-2CAD-DF7C-55DA-F16D5624B0C8}"/>
                     </a:ext>
                   </a:extLst>
                 </p:cNvPr>
@@ -18979,7 +18979,7 @@
                 <p:cNvPr id="25" name="직선 연결선 24">
                   <a:extLst>
                     <a:ext uri="{FF2B5EF4-FFF2-40B4-BE49-F238E27FC236}">
-                      <a16:creationId xmlns:a16="http://schemas.microsoft.com/office/drawing/2014/main" id="{1C4DB6B8-BF71-616B-547A-85F144304BB7}"/>
+                      <a16:creationId xmlns="" xmlns:a16="http://schemas.microsoft.com/office/drawing/2014/main" id="{1C4DB6B8-BF71-616B-547A-85F144304BB7}"/>
                     </a:ext>
                   </a:extLst>
                 </p:cNvPr>
@@ -19014,7 +19014,7 @@
                 <p:cNvPr id="26" name="직선 연결선 25">
                   <a:extLst>
                     <a:ext uri="{FF2B5EF4-FFF2-40B4-BE49-F238E27FC236}">
-                      <a16:creationId xmlns:a16="http://schemas.microsoft.com/office/drawing/2014/main" id="{56FA7955-8D01-3B0A-0435-020B5D395578}"/>
+                      <a16:creationId xmlns="" xmlns:a16="http://schemas.microsoft.com/office/drawing/2014/main" id="{56FA7955-8D01-3B0A-0435-020B5D395578}"/>
                     </a:ext>
                   </a:extLst>
                 </p:cNvPr>
@@ -19051,7 +19051,7 @@
             <p:cNvPr id="20" name="TextBox 19">
               <a:extLst>
                 <a:ext uri="{FF2B5EF4-FFF2-40B4-BE49-F238E27FC236}">
-                  <a16:creationId xmlns:a16="http://schemas.microsoft.com/office/drawing/2014/main" id="{ADD31FF7-E999-1C87-5B48-47ED33263E97}"/>
+                  <a16:creationId xmlns="" xmlns:a16="http://schemas.microsoft.com/office/drawing/2014/main" id="{ADD31FF7-E999-1C87-5B48-47ED33263E97}"/>
                 </a:ext>
               </a:extLst>
             </p:cNvPr>
@@ -19125,7 +19125,7 @@
           <p:cNvPr id="36" name="그룹 35">
             <a:extLst>
               <a:ext uri="{FF2B5EF4-FFF2-40B4-BE49-F238E27FC236}">
-                <a16:creationId xmlns:a16="http://schemas.microsoft.com/office/drawing/2014/main" id="{AE60C337-8AE2-C686-F4DC-A9C632E0C624}"/>
+                <a16:creationId xmlns="" xmlns:a16="http://schemas.microsoft.com/office/drawing/2014/main" id="{AE60C337-8AE2-C686-F4DC-A9C632E0C624}"/>
               </a:ext>
             </a:extLst>
           </p:cNvPr>
@@ -19145,7 +19145,7 @@
             <p:cNvPr id="37" name="그룹 36">
               <a:extLst>
                 <a:ext uri="{FF2B5EF4-FFF2-40B4-BE49-F238E27FC236}">
-                  <a16:creationId xmlns:a16="http://schemas.microsoft.com/office/drawing/2014/main" id="{DCA81135-89DA-DCCA-2895-A2AF5E337D69}"/>
+                  <a16:creationId xmlns="" xmlns:a16="http://schemas.microsoft.com/office/drawing/2014/main" id="{DCA81135-89DA-DCCA-2895-A2AF5E337D69}"/>
                 </a:ext>
               </a:extLst>
             </p:cNvPr>
@@ -19165,7 +19165,7 @@
               <p:cNvPr id="39" name="직사각형 38">
                 <a:extLst>
                   <a:ext uri="{FF2B5EF4-FFF2-40B4-BE49-F238E27FC236}">
-                    <a16:creationId xmlns:a16="http://schemas.microsoft.com/office/drawing/2014/main" id="{AAF6E153-B154-B004-69B4-CA3E60E143B6}"/>
+                    <a16:creationId xmlns="" xmlns:a16="http://schemas.microsoft.com/office/drawing/2014/main" id="{AAF6E153-B154-B004-69B4-CA3E60E143B6}"/>
                   </a:ext>
                 </a:extLst>
               </p:cNvPr>
@@ -19235,7 +19235,7 @@
               <p:cNvPr id="40" name="직사각형 39">
                 <a:extLst>
                   <a:ext uri="{FF2B5EF4-FFF2-40B4-BE49-F238E27FC236}">
-                    <a16:creationId xmlns:a16="http://schemas.microsoft.com/office/drawing/2014/main" id="{0E12BDAC-502D-1198-3408-363FB402B949}"/>
+                    <a16:creationId xmlns="" xmlns:a16="http://schemas.microsoft.com/office/drawing/2014/main" id="{0E12BDAC-502D-1198-3408-363FB402B949}"/>
                   </a:ext>
                 </a:extLst>
               </p:cNvPr>
@@ -19305,7 +19305,7 @@
               <p:cNvPr id="41" name="그룹 40">
                 <a:extLst>
                   <a:ext uri="{FF2B5EF4-FFF2-40B4-BE49-F238E27FC236}">
-                    <a16:creationId xmlns:a16="http://schemas.microsoft.com/office/drawing/2014/main" id="{C581E4BB-76BF-0ED9-E603-467C06DB2F6A}"/>
+                    <a16:creationId xmlns="" xmlns:a16="http://schemas.microsoft.com/office/drawing/2014/main" id="{C581E4BB-76BF-0ED9-E603-467C06DB2F6A}"/>
                   </a:ext>
                 </a:extLst>
               </p:cNvPr>
@@ -19325,7 +19325,7 @@
                 <p:cNvPr id="42" name="직선 연결선 41">
                   <a:extLst>
                     <a:ext uri="{FF2B5EF4-FFF2-40B4-BE49-F238E27FC236}">
-                      <a16:creationId xmlns:a16="http://schemas.microsoft.com/office/drawing/2014/main" id="{45CFBEC8-CB5A-9FE5-9A9A-EFC7A9FFF12E}"/>
+                      <a16:creationId xmlns="" xmlns:a16="http://schemas.microsoft.com/office/drawing/2014/main" id="{45CFBEC8-CB5A-9FE5-9A9A-EFC7A9FFF12E}"/>
                     </a:ext>
                   </a:extLst>
                 </p:cNvPr>
@@ -19360,7 +19360,7 @@
                 <p:cNvPr id="43" name="직선 연결선 42">
                   <a:extLst>
                     <a:ext uri="{FF2B5EF4-FFF2-40B4-BE49-F238E27FC236}">
-                      <a16:creationId xmlns:a16="http://schemas.microsoft.com/office/drawing/2014/main" id="{3BF94746-A9C7-CCC9-02B3-F6EECCCA922C}"/>
+                      <a16:creationId xmlns="" xmlns:a16="http://schemas.microsoft.com/office/drawing/2014/main" id="{3BF94746-A9C7-CCC9-02B3-F6EECCCA922C}"/>
                     </a:ext>
                   </a:extLst>
                 </p:cNvPr>
@@ -19395,7 +19395,7 @@
                 <p:cNvPr id="44" name="직선 연결선 43">
                   <a:extLst>
                     <a:ext uri="{FF2B5EF4-FFF2-40B4-BE49-F238E27FC236}">
-                      <a16:creationId xmlns:a16="http://schemas.microsoft.com/office/drawing/2014/main" id="{CCDB9719-6362-1764-2D5A-E3E459C924C8}"/>
+                      <a16:creationId xmlns="" xmlns:a16="http://schemas.microsoft.com/office/drawing/2014/main" id="{CCDB9719-6362-1764-2D5A-E3E459C924C8}"/>
                     </a:ext>
                   </a:extLst>
                 </p:cNvPr>
@@ -19432,7 +19432,7 @@
             <p:cNvPr id="38" name="TextBox 37">
               <a:extLst>
                 <a:ext uri="{FF2B5EF4-FFF2-40B4-BE49-F238E27FC236}">
-                  <a16:creationId xmlns:a16="http://schemas.microsoft.com/office/drawing/2014/main" id="{8149EEF0-699D-EAEC-5891-E4DBEAE9041D}"/>
+                  <a16:creationId xmlns="" xmlns:a16="http://schemas.microsoft.com/office/drawing/2014/main" id="{8149EEF0-699D-EAEC-5891-E4DBEAE9041D}"/>
                 </a:ext>
               </a:extLst>
             </p:cNvPr>
@@ -19506,7 +19506,7 @@
           <p:cNvPr id="45" name="직선 화살표 연결선 44">
             <a:extLst>
               <a:ext uri="{FF2B5EF4-FFF2-40B4-BE49-F238E27FC236}">
-                <a16:creationId xmlns:a16="http://schemas.microsoft.com/office/drawing/2014/main" id="{AB125CA0-8E1F-71D0-2BF8-17E502E76DA4}"/>
+                <a16:creationId xmlns="" xmlns:a16="http://schemas.microsoft.com/office/drawing/2014/main" id="{AB125CA0-8E1F-71D0-2BF8-17E502E76DA4}"/>
               </a:ext>
             </a:extLst>
           </p:cNvPr>
@@ -19541,7 +19541,7 @@
           <p:cNvPr id="46" name="TextBox 45">
             <a:extLst>
               <a:ext uri="{FF2B5EF4-FFF2-40B4-BE49-F238E27FC236}">
-                <a16:creationId xmlns:a16="http://schemas.microsoft.com/office/drawing/2014/main" id="{6E380A70-DE18-73AE-F269-12088DBE1C7A}"/>
+                <a16:creationId xmlns="" xmlns:a16="http://schemas.microsoft.com/office/drawing/2014/main" id="{6E380A70-DE18-73AE-F269-12088DBE1C7A}"/>
               </a:ext>
             </a:extLst>
           </p:cNvPr>
@@ -19614,7 +19614,7 @@
           <p:cNvPr id="47" name="직선 화살표 연결선 46">
             <a:extLst>
               <a:ext uri="{FF2B5EF4-FFF2-40B4-BE49-F238E27FC236}">
-                <a16:creationId xmlns:a16="http://schemas.microsoft.com/office/drawing/2014/main" id="{B53B19AE-4A48-1282-9855-55799975E9EA}"/>
+                <a16:creationId xmlns="" xmlns:a16="http://schemas.microsoft.com/office/drawing/2014/main" id="{B53B19AE-4A48-1282-9855-55799975E9EA}"/>
               </a:ext>
             </a:extLst>
           </p:cNvPr>
@@ -19651,7 +19651,7 @@
           <p:cNvPr id="48" name="직선 화살표 연결선 47">
             <a:extLst>
               <a:ext uri="{FF2B5EF4-FFF2-40B4-BE49-F238E27FC236}">
-                <a16:creationId xmlns:a16="http://schemas.microsoft.com/office/drawing/2014/main" id="{DB8BCC3D-769E-ECC7-8D57-1B142EE15E70}"/>
+                <a16:creationId xmlns="" xmlns:a16="http://schemas.microsoft.com/office/drawing/2014/main" id="{DB8BCC3D-769E-ECC7-8D57-1B142EE15E70}"/>
               </a:ext>
             </a:extLst>
           </p:cNvPr>
@@ -19688,7 +19688,7 @@
           <p:cNvPr id="49" name="직사각형 48">
             <a:extLst>
               <a:ext uri="{FF2B5EF4-FFF2-40B4-BE49-F238E27FC236}">
-                <a16:creationId xmlns:a16="http://schemas.microsoft.com/office/drawing/2014/main" id="{C15F01BF-792F-88CD-912C-1334E7701D4B}"/>
+                <a16:creationId xmlns="" xmlns:a16="http://schemas.microsoft.com/office/drawing/2014/main" id="{C15F01BF-792F-88CD-912C-1334E7701D4B}"/>
               </a:ext>
             </a:extLst>
           </p:cNvPr>
@@ -19758,7 +19758,7 @@
           <p:cNvPr id="50" name="직사각형 49">
             <a:extLst>
               <a:ext uri="{FF2B5EF4-FFF2-40B4-BE49-F238E27FC236}">
-                <a16:creationId xmlns:a16="http://schemas.microsoft.com/office/drawing/2014/main" id="{873FAF08-6E69-A95A-2AA5-A88515AFB3D5}"/>
+                <a16:creationId xmlns="" xmlns:a16="http://schemas.microsoft.com/office/drawing/2014/main" id="{873FAF08-6E69-A95A-2AA5-A88515AFB3D5}"/>
               </a:ext>
             </a:extLst>
           </p:cNvPr>
@@ -19828,7 +19828,7 @@
           <p:cNvPr id="51" name="TextBox 50">
             <a:extLst>
               <a:ext uri="{FF2B5EF4-FFF2-40B4-BE49-F238E27FC236}">
-                <a16:creationId xmlns:a16="http://schemas.microsoft.com/office/drawing/2014/main" id="{A7332C03-496C-8A3D-59BB-63DB1C63A0D9}"/>
+                <a16:creationId xmlns="" xmlns:a16="http://schemas.microsoft.com/office/drawing/2014/main" id="{A7332C03-496C-8A3D-59BB-63DB1C63A0D9}"/>
               </a:ext>
             </a:extLst>
           </p:cNvPr>
@@ -19907,7 +19907,7 @@
           <p:cNvPr id="52" name="직선 화살표 연결선 51">
             <a:extLst>
               <a:ext uri="{FF2B5EF4-FFF2-40B4-BE49-F238E27FC236}">
-                <a16:creationId xmlns:a16="http://schemas.microsoft.com/office/drawing/2014/main" id="{04FF6B22-F0F9-DD96-0654-F4353F3454A8}"/>
+                <a16:creationId xmlns="" xmlns:a16="http://schemas.microsoft.com/office/drawing/2014/main" id="{04FF6B22-F0F9-DD96-0654-F4353F3454A8}"/>
               </a:ext>
             </a:extLst>
           </p:cNvPr>
@@ -19944,7 +19944,7 @@
           <p:cNvPr id="53" name="TextBox 52">
             <a:extLst>
               <a:ext uri="{FF2B5EF4-FFF2-40B4-BE49-F238E27FC236}">
-                <a16:creationId xmlns:a16="http://schemas.microsoft.com/office/drawing/2014/main" id="{45505F0E-0E88-8102-A422-6AF911E94CC9}"/>
+                <a16:creationId xmlns="" xmlns:a16="http://schemas.microsoft.com/office/drawing/2014/main" id="{45505F0E-0E88-8102-A422-6AF911E94CC9}"/>
               </a:ext>
             </a:extLst>
           </p:cNvPr>
@@ -20021,7 +20021,7 @@
           <p:cNvPr id="54" name="TextBox 53">
             <a:extLst>
               <a:ext uri="{FF2B5EF4-FFF2-40B4-BE49-F238E27FC236}">
-                <a16:creationId xmlns:a16="http://schemas.microsoft.com/office/drawing/2014/main" id="{F1F984A8-53E9-B877-E8D5-45B7D37E164D}"/>
+                <a16:creationId xmlns="" xmlns:a16="http://schemas.microsoft.com/office/drawing/2014/main" id="{F1F984A8-53E9-B877-E8D5-45B7D37E164D}"/>
               </a:ext>
             </a:extLst>
           </p:cNvPr>
@@ -20098,7 +20098,7 @@
           <p:cNvPr id="55" name="직선 화살표 연결선 54">
             <a:extLst>
               <a:ext uri="{FF2B5EF4-FFF2-40B4-BE49-F238E27FC236}">
-                <a16:creationId xmlns:a16="http://schemas.microsoft.com/office/drawing/2014/main" id="{83825669-F53B-9651-5638-216795F5101E}"/>
+                <a16:creationId xmlns="" xmlns:a16="http://schemas.microsoft.com/office/drawing/2014/main" id="{83825669-F53B-9651-5638-216795F5101E}"/>
               </a:ext>
             </a:extLst>
           </p:cNvPr>
@@ -20135,7 +20135,7 @@
           <p:cNvPr id="56" name="TextBox 55">
             <a:extLst>
               <a:ext uri="{FF2B5EF4-FFF2-40B4-BE49-F238E27FC236}">
-                <a16:creationId xmlns:a16="http://schemas.microsoft.com/office/drawing/2014/main" id="{798268D1-0B56-C6F7-E9D2-E1EEB4E22117}"/>
+                <a16:creationId xmlns="" xmlns:a16="http://schemas.microsoft.com/office/drawing/2014/main" id="{798268D1-0B56-C6F7-E9D2-E1EEB4E22117}"/>
               </a:ext>
             </a:extLst>
           </p:cNvPr>
@@ -20212,7 +20212,7 @@
           <p:cNvPr id="57" name="직선 화살표 연결선 56">
             <a:extLst>
               <a:ext uri="{FF2B5EF4-FFF2-40B4-BE49-F238E27FC236}">
-                <a16:creationId xmlns:a16="http://schemas.microsoft.com/office/drawing/2014/main" id="{F06E0162-9C37-DC04-9AB6-2805C59EB8DE}"/>
+                <a16:creationId xmlns="" xmlns:a16="http://schemas.microsoft.com/office/drawing/2014/main" id="{F06E0162-9C37-DC04-9AB6-2805C59EB8DE}"/>
               </a:ext>
             </a:extLst>
           </p:cNvPr>
@@ -20249,7 +20249,7 @@
           <p:cNvPr id="58" name="TextBox 57">
             <a:extLst>
               <a:ext uri="{FF2B5EF4-FFF2-40B4-BE49-F238E27FC236}">
-                <a16:creationId xmlns:a16="http://schemas.microsoft.com/office/drawing/2014/main" id="{C0F9BD4E-B01B-8BBF-9513-3042D9B357DD}"/>
+                <a16:creationId xmlns="" xmlns:a16="http://schemas.microsoft.com/office/drawing/2014/main" id="{C0F9BD4E-B01B-8BBF-9513-3042D9B357DD}"/>
               </a:ext>
             </a:extLst>
           </p:cNvPr>
@@ -20326,7 +20326,7 @@
           <p:cNvPr id="60" name="직사각형 59">
             <a:extLst>
               <a:ext uri="{FF2B5EF4-FFF2-40B4-BE49-F238E27FC236}">
-                <a16:creationId xmlns:a16="http://schemas.microsoft.com/office/drawing/2014/main" id="{244F50A6-E84B-503F-B524-10638F03C676}"/>
+                <a16:creationId xmlns="" xmlns:a16="http://schemas.microsoft.com/office/drawing/2014/main" id="{244F50A6-E84B-503F-B524-10638F03C676}"/>
               </a:ext>
             </a:extLst>
           </p:cNvPr>
@@ -20398,7 +20398,7 @@
           <p:cNvPr id="61" name="직사각형 60">
             <a:extLst>
               <a:ext uri="{FF2B5EF4-FFF2-40B4-BE49-F238E27FC236}">
-                <a16:creationId xmlns:a16="http://schemas.microsoft.com/office/drawing/2014/main" id="{70E78D77-8D60-2380-3748-F44B5DF8ABEA}"/>
+                <a16:creationId xmlns="" xmlns:a16="http://schemas.microsoft.com/office/drawing/2014/main" id="{70E78D77-8D60-2380-3748-F44B5DF8ABEA}"/>
               </a:ext>
             </a:extLst>
           </p:cNvPr>
@@ -20470,7 +20470,7 @@
           <p:cNvPr id="62" name="직선 연결선 61">
             <a:extLst>
               <a:ext uri="{FF2B5EF4-FFF2-40B4-BE49-F238E27FC236}">
-                <a16:creationId xmlns:a16="http://schemas.microsoft.com/office/drawing/2014/main" id="{AFD1CA3D-BC6A-9D2C-0CF3-E90802D54B91}"/>
+                <a16:creationId xmlns="" xmlns:a16="http://schemas.microsoft.com/office/drawing/2014/main" id="{AFD1CA3D-BC6A-9D2C-0CF3-E90802D54B91}"/>
               </a:ext>
             </a:extLst>
           </p:cNvPr>
@@ -20503,7 +20503,7 @@
           <p:cNvPr id="63" name="직선 연결선 62">
             <a:extLst>
               <a:ext uri="{FF2B5EF4-FFF2-40B4-BE49-F238E27FC236}">
-                <a16:creationId xmlns:a16="http://schemas.microsoft.com/office/drawing/2014/main" id="{C7C2E866-B50F-5477-5536-FA70C86817B4}"/>
+                <a16:creationId xmlns="" xmlns:a16="http://schemas.microsoft.com/office/drawing/2014/main" id="{C7C2E866-B50F-5477-5536-FA70C86817B4}"/>
               </a:ext>
             </a:extLst>
           </p:cNvPr>
@@ -20536,7 +20536,7 @@
           <p:cNvPr id="64" name="직선 연결선 63">
             <a:extLst>
               <a:ext uri="{FF2B5EF4-FFF2-40B4-BE49-F238E27FC236}">
-                <a16:creationId xmlns:a16="http://schemas.microsoft.com/office/drawing/2014/main" id="{53CDF25D-9753-68F1-ADDB-B34B665E6290}"/>
+                <a16:creationId xmlns="" xmlns:a16="http://schemas.microsoft.com/office/drawing/2014/main" id="{53CDF25D-9753-68F1-ADDB-B34B665E6290}"/>
               </a:ext>
             </a:extLst>
           </p:cNvPr>
@@ -20569,7 +20569,7 @@
           <p:cNvPr id="65" name="직선 연결선 64">
             <a:extLst>
               <a:ext uri="{FF2B5EF4-FFF2-40B4-BE49-F238E27FC236}">
-                <a16:creationId xmlns:a16="http://schemas.microsoft.com/office/drawing/2014/main" id="{291D153E-58A8-9633-F8DE-0776D3487231}"/>
+                <a16:creationId xmlns="" xmlns:a16="http://schemas.microsoft.com/office/drawing/2014/main" id="{291D153E-58A8-9633-F8DE-0776D3487231}"/>
               </a:ext>
             </a:extLst>
           </p:cNvPr>
@@ -20602,7 +20602,7 @@
           <p:cNvPr id="66" name="직선 연결선 65">
             <a:extLst>
               <a:ext uri="{FF2B5EF4-FFF2-40B4-BE49-F238E27FC236}">
-                <a16:creationId xmlns:a16="http://schemas.microsoft.com/office/drawing/2014/main" id="{8C6C45D7-D6BD-3B0C-37B5-E83E0DCE8F58}"/>
+                <a16:creationId xmlns="" xmlns:a16="http://schemas.microsoft.com/office/drawing/2014/main" id="{8C6C45D7-D6BD-3B0C-37B5-E83E0DCE8F58}"/>
               </a:ext>
             </a:extLst>
           </p:cNvPr>
@@ -20635,7 +20635,7 @@
           <p:cNvPr id="67" name="TextBox 66">
             <a:extLst>
               <a:ext uri="{FF2B5EF4-FFF2-40B4-BE49-F238E27FC236}">
-                <a16:creationId xmlns:a16="http://schemas.microsoft.com/office/drawing/2014/main" id="{BCE98AA7-A22B-E6C5-8E96-35BCADF168D7}"/>
+                <a16:creationId xmlns="" xmlns:a16="http://schemas.microsoft.com/office/drawing/2014/main" id="{BCE98AA7-A22B-E6C5-8E96-35BCADF168D7}"/>
               </a:ext>
             </a:extLst>
           </p:cNvPr>
@@ -20708,7 +20708,7 @@
           <p:cNvPr id="68" name="직선 연결선 67">
             <a:extLst>
               <a:ext uri="{FF2B5EF4-FFF2-40B4-BE49-F238E27FC236}">
-                <a16:creationId xmlns:a16="http://schemas.microsoft.com/office/drawing/2014/main" id="{E1F481DD-01C3-6370-E4B5-601576E1B3B3}"/>
+                <a16:creationId xmlns="" xmlns:a16="http://schemas.microsoft.com/office/drawing/2014/main" id="{E1F481DD-01C3-6370-E4B5-601576E1B3B3}"/>
               </a:ext>
             </a:extLst>
           </p:cNvPr>
@@ -20741,7 +20741,7 @@
           <p:cNvPr id="69" name="직선 연결선 68">
             <a:extLst>
               <a:ext uri="{FF2B5EF4-FFF2-40B4-BE49-F238E27FC236}">
-                <a16:creationId xmlns:a16="http://schemas.microsoft.com/office/drawing/2014/main" id="{C40A8404-005A-4873-C4B2-EDF7FF0492BC}"/>
+                <a16:creationId xmlns="" xmlns:a16="http://schemas.microsoft.com/office/drawing/2014/main" id="{C40A8404-005A-4873-C4B2-EDF7FF0492BC}"/>
               </a:ext>
             </a:extLst>
           </p:cNvPr>
@@ -20774,7 +20774,7 @@
           <p:cNvPr id="71" name="직선 연결선 70">
             <a:extLst>
               <a:ext uri="{FF2B5EF4-FFF2-40B4-BE49-F238E27FC236}">
-                <a16:creationId xmlns:a16="http://schemas.microsoft.com/office/drawing/2014/main" id="{18276253-A974-AE39-D80D-FED60DDF36E7}"/>
+                <a16:creationId xmlns="" xmlns:a16="http://schemas.microsoft.com/office/drawing/2014/main" id="{18276253-A974-AE39-D80D-FED60DDF36E7}"/>
               </a:ext>
             </a:extLst>
           </p:cNvPr>
@@ -20807,7 +20807,7 @@
           <p:cNvPr id="72" name="직선 연결선 71">
             <a:extLst>
               <a:ext uri="{FF2B5EF4-FFF2-40B4-BE49-F238E27FC236}">
-                <a16:creationId xmlns:a16="http://schemas.microsoft.com/office/drawing/2014/main" id="{40EF878B-0C8A-547E-27D4-E41AC1756FC4}"/>
+                <a16:creationId xmlns="" xmlns:a16="http://schemas.microsoft.com/office/drawing/2014/main" id="{40EF878B-0C8A-547E-27D4-E41AC1756FC4}"/>
               </a:ext>
             </a:extLst>
           </p:cNvPr>
@@ -20840,7 +20840,7 @@
           <p:cNvPr id="73" name="직선 연결선 72">
             <a:extLst>
               <a:ext uri="{FF2B5EF4-FFF2-40B4-BE49-F238E27FC236}">
-                <a16:creationId xmlns:a16="http://schemas.microsoft.com/office/drawing/2014/main" id="{324AE963-0799-4AEF-D4CF-086855CFDA92}"/>
+                <a16:creationId xmlns="" xmlns:a16="http://schemas.microsoft.com/office/drawing/2014/main" id="{324AE963-0799-4AEF-D4CF-086855CFDA92}"/>
               </a:ext>
             </a:extLst>
           </p:cNvPr>
@@ -20873,7 +20873,7 @@
           <p:cNvPr id="74" name="직선 연결선 73">
             <a:extLst>
               <a:ext uri="{FF2B5EF4-FFF2-40B4-BE49-F238E27FC236}">
-                <a16:creationId xmlns:a16="http://schemas.microsoft.com/office/drawing/2014/main" id="{DA912287-79BE-78A8-7F12-3763533CFF3B}"/>
+                <a16:creationId xmlns="" xmlns:a16="http://schemas.microsoft.com/office/drawing/2014/main" id="{DA912287-79BE-78A8-7F12-3763533CFF3B}"/>
               </a:ext>
             </a:extLst>
           </p:cNvPr>
@@ -20906,7 +20906,7 @@
           <p:cNvPr id="75" name="직선 화살표 연결선 74">
             <a:extLst>
               <a:ext uri="{FF2B5EF4-FFF2-40B4-BE49-F238E27FC236}">
-                <a16:creationId xmlns:a16="http://schemas.microsoft.com/office/drawing/2014/main" id="{275B70E0-AD01-4B29-A653-8D4976F28F04}"/>
+                <a16:creationId xmlns="" xmlns:a16="http://schemas.microsoft.com/office/drawing/2014/main" id="{275B70E0-AD01-4B29-A653-8D4976F28F04}"/>
               </a:ext>
             </a:extLst>
           </p:cNvPr>
@@ -20941,7 +20941,7 @@
           <p:cNvPr id="76" name="직선 화살표 연결선 75">
             <a:extLst>
               <a:ext uri="{FF2B5EF4-FFF2-40B4-BE49-F238E27FC236}">
-                <a16:creationId xmlns:a16="http://schemas.microsoft.com/office/drawing/2014/main" id="{A1076412-BF55-83AA-DFBE-31B465415D87}"/>
+                <a16:creationId xmlns="" xmlns:a16="http://schemas.microsoft.com/office/drawing/2014/main" id="{A1076412-BF55-83AA-DFBE-31B465415D87}"/>
               </a:ext>
             </a:extLst>
           </p:cNvPr>
@@ -20976,7 +20976,7 @@
           <p:cNvPr id="77" name="직선 화살표 연결선 76">
             <a:extLst>
               <a:ext uri="{FF2B5EF4-FFF2-40B4-BE49-F238E27FC236}">
-                <a16:creationId xmlns:a16="http://schemas.microsoft.com/office/drawing/2014/main" id="{8FFDEEF5-0BFA-D74D-369A-5686780098A9}"/>
+                <a16:creationId xmlns="" xmlns:a16="http://schemas.microsoft.com/office/drawing/2014/main" id="{8FFDEEF5-0BFA-D74D-369A-5686780098A9}"/>
               </a:ext>
             </a:extLst>
           </p:cNvPr>
@@ -21011,7 +21011,7 @@
           <p:cNvPr id="78" name="직선 화살표 연결선 77">
             <a:extLst>
               <a:ext uri="{FF2B5EF4-FFF2-40B4-BE49-F238E27FC236}">
-                <a16:creationId xmlns:a16="http://schemas.microsoft.com/office/drawing/2014/main" id="{3A392F6E-DBC7-C431-30D8-493B71941BBB}"/>
+                <a16:creationId xmlns="" xmlns:a16="http://schemas.microsoft.com/office/drawing/2014/main" id="{3A392F6E-DBC7-C431-30D8-493B71941BBB}"/>
               </a:ext>
             </a:extLst>
           </p:cNvPr>
@@ -21046,7 +21046,7 @@
           <p:cNvPr id="79" name="직선 화살표 연결선 78">
             <a:extLst>
               <a:ext uri="{FF2B5EF4-FFF2-40B4-BE49-F238E27FC236}">
-                <a16:creationId xmlns:a16="http://schemas.microsoft.com/office/drawing/2014/main" id="{5D264DDB-4475-08D8-AF55-FAEB127F4D8E}"/>
+                <a16:creationId xmlns="" xmlns:a16="http://schemas.microsoft.com/office/drawing/2014/main" id="{5D264DDB-4475-08D8-AF55-FAEB127F4D8E}"/>
               </a:ext>
             </a:extLst>
           </p:cNvPr>
@@ -21081,7 +21081,7 @@
           <p:cNvPr id="80" name="직선 연결선 79">
             <a:extLst>
               <a:ext uri="{FF2B5EF4-FFF2-40B4-BE49-F238E27FC236}">
-                <a16:creationId xmlns:a16="http://schemas.microsoft.com/office/drawing/2014/main" id="{74FF30EC-6BAD-4A07-D4F0-E7A7C5580168}"/>
+                <a16:creationId xmlns="" xmlns:a16="http://schemas.microsoft.com/office/drawing/2014/main" id="{74FF30EC-6BAD-4A07-D4F0-E7A7C5580168}"/>
               </a:ext>
             </a:extLst>
           </p:cNvPr>
@@ -21114,7 +21114,7 @@
           <p:cNvPr id="81" name="직선 연결선 80">
             <a:extLst>
               <a:ext uri="{FF2B5EF4-FFF2-40B4-BE49-F238E27FC236}">
-                <a16:creationId xmlns:a16="http://schemas.microsoft.com/office/drawing/2014/main" id="{E3446A2A-41B1-E8C1-EEF6-327ADB181250}"/>
+                <a16:creationId xmlns="" xmlns:a16="http://schemas.microsoft.com/office/drawing/2014/main" id="{E3446A2A-41B1-E8C1-EEF6-327ADB181250}"/>
               </a:ext>
             </a:extLst>
           </p:cNvPr>
@@ -21147,7 +21147,7 @@
           <p:cNvPr id="82" name="TextBox 81">
             <a:extLst>
               <a:ext uri="{FF2B5EF4-FFF2-40B4-BE49-F238E27FC236}">
-                <a16:creationId xmlns:a16="http://schemas.microsoft.com/office/drawing/2014/main" id="{C56A89FA-8838-1C7E-6377-DD12693D2A17}"/>
+                <a16:creationId xmlns="" xmlns:a16="http://schemas.microsoft.com/office/drawing/2014/main" id="{C56A89FA-8838-1C7E-6377-DD12693D2A17}"/>
               </a:ext>
             </a:extLst>
           </p:cNvPr>
@@ -21224,7 +21224,7 @@
           <p:cNvPr id="83" name="TextBox 82">
             <a:extLst>
               <a:ext uri="{FF2B5EF4-FFF2-40B4-BE49-F238E27FC236}">
-                <a16:creationId xmlns:a16="http://schemas.microsoft.com/office/drawing/2014/main" id="{CF977820-05D3-6142-E302-1150B22DD01A}"/>
+                <a16:creationId xmlns="" xmlns:a16="http://schemas.microsoft.com/office/drawing/2014/main" id="{CF977820-05D3-6142-E302-1150B22DD01A}"/>
               </a:ext>
             </a:extLst>
           </p:cNvPr>
@@ -21297,7 +21297,7 @@
           <p:cNvPr id="84" name="TextBox 83">
             <a:extLst>
               <a:ext uri="{FF2B5EF4-FFF2-40B4-BE49-F238E27FC236}">
-                <a16:creationId xmlns:a16="http://schemas.microsoft.com/office/drawing/2014/main" id="{E76CEB88-445A-4BA4-CDEB-46DFD97EE300}"/>
+                <a16:creationId xmlns="" xmlns:a16="http://schemas.microsoft.com/office/drawing/2014/main" id="{E76CEB88-445A-4BA4-CDEB-46DFD97EE300}"/>
               </a:ext>
             </a:extLst>
           </p:cNvPr>
@@ -21370,7 +21370,7 @@
           <p:cNvPr id="85" name="TextBox 84">
             <a:extLst>
               <a:ext uri="{FF2B5EF4-FFF2-40B4-BE49-F238E27FC236}">
-                <a16:creationId xmlns:a16="http://schemas.microsoft.com/office/drawing/2014/main" id="{821540CB-89BF-A437-6FED-EC97D8C5C0AD}"/>
+                <a16:creationId xmlns="" xmlns:a16="http://schemas.microsoft.com/office/drawing/2014/main" id="{821540CB-89BF-A437-6FED-EC97D8C5C0AD}"/>
               </a:ext>
             </a:extLst>
           </p:cNvPr>
@@ -21443,7 +21443,7 @@
           <p:cNvPr id="86" name="TextBox 85">
             <a:extLst>
               <a:ext uri="{FF2B5EF4-FFF2-40B4-BE49-F238E27FC236}">
-                <a16:creationId xmlns:a16="http://schemas.microsoft.com/office/drawing/2014/main" id="{930A1C72-9F1E-6117-02F9-0A022819CCDC}"/>
+                <a16:creationId xmlns="" xmlns:a16="http://schemas.microsoft.com/office/drawing/2014/main" id="{930A1C72-9F1E-6117-02F9-0A022819CCDC}"/>
               </a:ext>
             </a:extLst>
           </p:cNvPr>
@@ -21516,7 +21516,7 @@
           <p:cNvPr id="87" name="그룹 86">
             <a:extLst>
               <a:ext uri="{FF2B5EF4-FFF2-40B4-BE49-F238E27FC236}">
-                <a16:creationId xmlns:a16="http://schemas.microsoft.com/office/drawing/2014/main" id="{AE60C337-8AE2-C686-F4DC-A9C632E0C624}"/>
+                <a16:creationId xmlns="" xmlns:a16="http://schemas.microsoft.com/office/drawing/2014/main" id="{AE60C337-8AE2-C686-F4DC-A9C632E0C624}"/>
               </a:ext>
             </a:extLst>
           </p:cNvPr>
@@ -21536,7 +21536,7 @@
             <p:cNvPr id="88" name="그룹 87">
               <a:extLst>
                 <a:ext uri="{FF2B5EF4-FFF2-40B4-BE49-F238E27FC236}">
-                  <a16:creationId xmlns:a16="http://schemas.microsoft.com/office/drawing/2014/main" id="{DCA81135-89DA-DCCA-2895-A2AF5E337D69}"/>
+                  <a16:creationId xmlns="" xmlns:a16="http://schemas.microsoft.com/office/drawing/2014/main" id="{DCA81135-89DA-DCCA-2895-A2AF5E337D69}"/>
                 </a:ext>
               </a:extLst>
             </p:cNvPr>
@@ -21556,7 +21556,7 @@
               <p:cNvPr id="90" name="직사각형 89">
                 <a:extLst>
                   <a:ext uri="{FF2B5EF4-FFF2-40B4-BE49-F238E27FC236}">
-                    <a16:creationId xmlns:a16="http://schemas.microsoft.com/office/drawing/2014/main" id="{AAF6E153-B154-B004-69B4-CA3E60E143B6}"/>
+                    <a16:creationId xmlns="" xmlns:a16="http://schemas.microsoft.com/office/drawing/2014/main" id="{AAF6E153-B154-B004-69B4-CA3E60E143B6}"/>
                   </a:ext>
                 </a:extLst>
               </p:cNvPr>
@@ -21626,7 +21626,7 @@
               <p:cNvPr id="91" name="직사각형 90">
                 <a:extLst>
                   <a:ext uri="{FF2B5EF4-FFF2-40B4-BE49-F238E27FC236}">
-                    <a16:creationId xmlns:a16="http://schemas.microsoft.com/office/drawing/2014/main" id="{0E12BDAC-502D-1198-3408-363FB402B949}"/>
+                    <a16:creationId xmlns="" xmlns:a16="http://schemas.microsoft.com/office/drawing/2014/main" id="{0E12BDAC-502D-1198-3408-363FB402B949}"/>
                   </a:ext>
                 </a:extLst>
               </p:cNvPr>
@@ -21696,7 +21696,7 @@
               <p:cNvPr id="92" name="그룹 91">
                 <a:extLst>
                   <a:ext uri="{FF2B5EF4-FFF2-40B4-BE49-F238E27FC236}">
-                    <a16:creationId xmlns:a16="http://schemas.microsoft.com/office/drawing/2014/main" id="{C581E4BB-76BF-0ED9-E603-467C06DB2F6A}"/>
+                    <a16:creationId xmlns="" xmlns:a16="http://schemas.microsoft.com/office/drawing/2014/main" id="{C581E4BB-76BF-0ED9-E603-467C06DB2F6A}"/>
                   </a:ext>
                 </a:extLst>
               </p:cNvPr>
@@ -21716,7 +21716,7 @@
                 <p:cNvPr id="93" name="직선 연결선 92">
                   <a:extLst>
                     <a:ext uri="{FF2B5EF4-FFF2-40B4-BE49-F238E27FC236}">
-                      <a16:creationId xmlns:a16="http://schemas.microsoft.com/office/drawing/2014/main" id="{45CFBEC8-CB5A-9FE5-9A9A-EFC7A9FFF12E}"/>
+                      <a16:creationId xmlns="" xmlns:a16="http://schemas.microsoft.com/office/drawing/2014/main" id="{45CFBEC8-CB5A-9FE5-9A9A-EFC7A9FFF12E}"/>
                     </a:ext>
                   </a:extLst>
                 </p:cNvPr>
@@ -21751,7 +21751,7 @@
                 <p:cNvPr id="94" name="직선 연결선 93">
                   <a:extLst>
                     <a:ext uri="{FF2B5EF4-FFF2-40B4-BE49-F238E27FC236}">
-                      <a16:creationId xmlns:a16="http://schemas.microsoft.com/office/drawing/2014/main" id="{3BF94746-A9C7-CCC9-02B3-F6EECCCA922C}"/>
+                      <a16:creationId xmlns="" xmlns:a16="http://schemas.microsoft.com/office/drawing/2014/main" id="{3BF94746-A9C7-CCC9-02B3-F6EECCCA922C}"/>
                     </a:ext>
                   </a:extLst>
                 </p:cNvPr>
@@ -21786,7 +21786,7 @@
                 <p:cNvPr id="95" name="직선 연결선 94">
                   <a:extLst>
                     <a:ext uri="{FF2B5EF4-FFF2-40B4-BE49-F238E27FC236}">
-                      <a16:creationId xmlns:a16="http://schemas.microsoft.com/office/drawing/2014/main" id="{CCDB9719-6362-1764-2D5A-E3E459C924C8}"/>
+                      <a16:creationId xmlns="" xmlns:a16="http://schemas.microsoft.com/office/drawing/2014/main" id="{CCDB9719-6362-1764-2D5A-E3E459C924C8}"/>
                     </a:ext>
                   </a:extLst>
                 </p:cNvPr>
@@ -21823,7 +21823,7 @@
             <p:cNvPr id="89" name="TextBox 88">
               <a:extLst>
                 <a:ext uri="{FF2B5EF4-FFF2-40B4-BE49-F238E27FC236}">
-                  <a16:creationId xmlns:a16="http://schemas.microsoft.com/office/drawing/2014/main" id="{8149EEF0-699D-EAEC-5891-E4DBEAE9041D}"/>
+                  <a16:creationId xmlns="" xmlns:a16="http://schemas.microsoft.com/office/drawing/2014/main" id="{8149EEF0-699D-EAEC-5891-E4DBEAE9041D}"/>
                 </a:ext>
               </a:extLst>
             </p:cNvPr>
@@ -22068,7 +22068,7 @@
         </p:blipFill>
         <p:spPr bwMode="auto">
           <a:xfrm>
-            <a:off x="2645569" y="4360333"/>
+            <a:off x="1888332" y="3858229"/>
             <a:ext cx="5281613" cy="1689100"/>
           </a:xfrm>
           <a:prstGeom prst="rect">
@@ -22258,7 +22258,7 @@
           <p:cNvPr id="4" name="그림 3">
             <a:extLst>
               <a:ext uri="{FF2B5EF4-FFF2-40B4-BE49-F238E27FC236}">
-                <a16:creationId xmlns:a16="http://schemas.microsoft.com/office/drawing/2014/main" id="{2626F34E-C6AD-46F7-B8FA-3E7888BECA50}"/>
+                <a16:creationId xmlns="" xmlns:a16="http://schemas.microsoft.com/office/drawing/2014/main" id="{2626F34E-C6AD-46F7-B8FA-3E7888BECA50}"/>
               </a:ext>
             </a:extLst>
           </p:cNvPr>
@@ -22390,7 +22390,7 @@
           <p:cNvPr id="3" name="그림 2">
             <a:extLst>
               <a:ext uri="{FF2B5EF4-FFF2-40B4-BE49-F238E27FC236}">
-                <a16:creationId xmlns:a16="http://schemas.microsoft.com/office/drawing/2014/main" id="{BDAB87E3-11B2-491F-9481-CB3687BF42DC}"/>
+                <a16:creationId xmlns="" xmlns:a16="http://schemas.microsoft.com/office/drawing/2014/main" id="{BDAB87E3-11B2-491F-9481-CB3687BF42DC}"/>
               </a:ext>
             </a:extLst>
           </p:cNvPr>
